--- a/docs/Round 1 Presentation.pptx
+++ b/docs/Round 1 Presentation.pptx
@@ -5,10 +5,10 @@
     <p:sldMasterId id="2147483648" r:id="rId11"/>
   </p:sldMasterIdLst>
   <p:notesMasterIdLst>
-    <p:notesMasterId r:id="rId69"/>
+    <p:notesMasterId r:id="rId70"/>
   </p:notesMasterIdLst>
   <p:handoutMasterIdLst>
-    <p:handoutMasterId r:id="rId70"/>
+    <p:handoutMasterId r:id="rId71"/>
   </p:handoutMasterIdLst>
   <p:sldIdLst>
     <p:sldId id="256" r:id="rId12"/>
@@ -30,54 +30,55 @@
     <p:sldId id="317" r:id="rId28"/>
     <p:sldId id="318" r:id="rId29"/>
     <p:sldId id="338" r:id="rId30"/>
-    <p:sldId id="319" r:id="rId31"/>
-    <p:sldId id="320" r:id="rId32"/>
-    <p:sldId id="321" r:id="rId33"/>
-    <p:sldId id="322" r:id="rId34"/>
-    <p:sldId id="323" r:id="rId35"/>
-    <p:sldId id="336" r:id="rId36"/>
-    <p:sldId id="324" r:id="rId37"/>
-    <p:sldId id="325" r:id="rId38"/>
-    <p:sldId id="326" r:id="rId39"/>
-    <p:sldId id="327" r:id="rId40"/>
-    <p:sldId id="328" r:id="rId41"/>
-    <p:sldId id="329" r:id="rId42"/>
-    <p:sldId id="330" r:id="rId43"/>
-    <p:sldId id="331" r:id="rId44"/>
-    <p:sldId id="332" r:id="rId45"/>
-    <p:sldId id="333" r:id="rId46"/>
-    <p:sldId id="334" r:id="rId47"/>
-    <p:sldId id="337" r:id="rId48"/>
-    <p:sldId id="301" r:id="rId49"/>
-    <p:sldId id="278" r:id="rId50"/>
-    <p:sldId id="282" r:id="rId51"/>
-    <p:sldId id="279" r:id="rId52"/>
-    <p:sldId id="280" r:id="rId53"/>
-    <p:sldId id="271" r:id="rId54"/>
-    <p:sldId id="290" r:id="rId55"/>
-    <p:sldId id="270" r:id="rId56"/>
-    <p:sldId id="272" r:id="rId57"/>
-    <p:sldId id="273" r:id="rId58"/>
-    <p:sldId id="288" r:id="rId59"/>
-    <p:sldId id="276" r:id="rId60"/>
-    <p:sldId id="302" r:id="rId61"/>
-    <p:sldId id="284" r:id="rId62"/>
-    <p:sldId id="260" r:id="rId63"/>
-    <p:sldId id="274" r:id="rId64"/>
-    <p:sldId id="297" r:id="rId65"/>
-    <p:sldId id="293" r:id="rId66"/>
-    <p:sldId id="296" r:id="rId67"/>
-    <p:sldId id="277" r:id="rId68"/>
+    <p:sldId id="339" r:id="rId31"/>
+    <p:sldId id="319" r:id="rId32"/>
+    <p:sldId id="320" r:id="rId33"/>
+    <p:sldId id="321" r:id="rId34"/>
+    <p:sldId id="322" r:id="rId35"/>
+    <p:sldId id="323" r:id="rId36"/>
+    <p:sldId id="336" r:id="rId37"/>
+    <p:sldId id="324" r:id="rId38"/>
+    <p:sldId id="325" r:id="rId39"/>
+    <p:sldId id="326" r:id="rId40"/>
+    <p:sldId id="327" r:id="rId41"/>
+    <p:sldId id="328" r:id="rId42"/>
+    <p:sldId id="329" r:id="rId43"/>
+    <p:sldId id="330" r:id="rId44"/>
+    <p:sldId id="331" r:id="rId45"/>
+    <p:sldId id="332" r:id="rId46"/>
+    <p:sldId id="333" r:id="rId47"/>
+    <p:sldId id="334" r:id="rId48"/>
+    <p:sldId id="337" r:id="rId49"/>
+    <p:sldId id="301" r:id="rId50"/>
+    <p:sldId id="278" r:id="rId51"/>
+    <p:sldId id="282" r:id="rId52"/>
+    <p:sldId id="279" r:id="rId53"/>
+    <p:sldId id="280" r:id="rId54"/>
+    <p:sldId id="271" r:id="rId55"/>
+    <p:sldId id="290" r:id="rId56"/>
+    <p:sldId id="270" r:id="rId57"/>
+    <p:sldId id="272" r:id="rId58"/>
+    <p:sldId id="273" r:id="rId59"/>
+    <p:sldId id="288" r:id="rId60"/>
+    <p:sldId id="276" r:id="rId61"/>
+    <p:sldId id="302" r:id="rId62"/>
+    <p:sldId id="284" r:id="rId63"/>
+    <p:sldId id="260" r:id="rId64"/>
+    <p:sldId id="274" r:id="rId65"/>
+    <p:sldId id="297" r:id="rId66"/>
+    <p:sldId id="293" r:id="rId67"/>
+    <p:sldId id="296" r:id="rId68"/>
+    <p:sldId id="277" r:id="rId69"/>
   </p:sldIdLst>
   <p:sldSz cx="12188825" cy="6858000"/>
   <p:notesSz cx="6858000" cy="9144000"/>
   <p:custDataLst>
+    <p:custData r:id="rId6"/>
     <p:custData r:id="rId10"/>
-    <p:custData r:id="rId2"/>
-    <p:custData r:id="rId9"/>
+    <p:custData r:id="rId8"/>
+    <p:custData r:id="rId7"/>
+    <p:custData r:id="rId5"/>
     <p:custData r:id="rId4"/>
-    <p:custData r:id="rId6"/>
-    <p:custData r:id="rId1"/>
     <p:custData r:id="rId3"/>
   </p:custDataLst>
   <p:defaultTextStyle>
@@ -249,6 +250,7 @@
             <p14:sldId id="317"/>
             <p14:sldId id="318"/>
             <p14:sldId id="338"/>
+            <p14:sldId id="339"/>
             <p14:sldId id="319"/>
             <p14:sldId id="320"/>
             <p14:sldId id="321"/>
@@ -5909,7 +5911,7 @@
     </p:spTree>
     <p:extLst>
       <p:ext uri="{BB962C8B-B14F-4D97-AF65-F5344CB8AC3E}">
-        <p14:creationId xmlns:p14="http://schemas.microsoft.com/office/powerpoint/2010/main" val="640497454"/>
+        <p14:creationId xmlns:p14="http://schemas.microsoft.com/office/powerpoint/2010/main" val="3902088086"/>
       </p:ext>
     </p:extLst>
   </p:cSld>
@@ -5920,91 +5922,6 @@
 </file>
 
 <file path=ppt/notesSlides/notesSlide21.xml><?xml version="1.0" encoding="utf-8"?>
-<p:notes xmlns:a="http://schemas.openxmlformats.org/drawingml/2006/main" xmlns:r="http://schemas.openxmlformats.org/officeDocument/2006/relationships" xmlns:p="http://schemas.openxmlformats.org/presentationml/2006/main">
-  <p:cSld>
-    <p:spTree>
-      <p:nvGrpSpPr>
-        <p:cNvPr id="1" name=""/>
-        <p:cNvGrpSpPr/>
-        <p:nvPr/>
-      </p:nvGrpSpPr>
-      <p:grpSpPr>
-        <a:xfrm>
-          <a:off x="0" y="0"/>
-          <a:ext cx="0" cy="0"/>
-          <a:chOff x="0" y="0"/>
-          <a:chExt cx="0" cy="0"/>
-        </a:xfrm>
-      </p:grpSpPr>
-      <p:sp>
-        <p:nvSpPr>
-          <p:cNvPr id="2" name="Slide Image Placeholder 1"/>
-          <p:cNvSpPr>
-            <a:spLocks noGrp="1" noRot="1" noChangeAspect="1"/>
-          </p:cNvSpPr>
-          <p:nvPr>
-            <p:ph type="sldImg"/>
-          </p:nvPr>
-        </p:nvSpPr>
-        <p:spPr/>
-      </p:sp>
-      <p:sp>
-        <p:nvSpPr>
-          <p:cNvPr id="3" name="Notes Placeholder 2"/>
-          <p:cNvSpPr>
-            <a:spLocks noGrp="1"/>
-          </p:cNvSpPr>
-          <p:nvPr>
-            <p:ph type="body" idx="1"/>
-          </p:nvPr>
-        </p:nvSpPr>
-        <p:spPr/>
-        <p:txBody>
-          <a:bodyPr/>
-          <a:lstStyle/>
-          <a:p>
-            <a:endParaRPr lang="en-US"/>
-          </a:p>
-        </p:txBody>
-      </p:sp>
-      <p:sp>
-        <p:nvSpPr>
-          <p:cNvPr id="4" name="Slide Number Placeholder 3"/>
-          <p:cNvSpPr>
-            <a:spLocks noGrp="1"/>
-          </p:cNvSpPr>
-          <p:nvPr>
-            <p:ph type="sldNum" sz="quarter" idx="10"/>
-          </p:nvPr>
-        </p:nvSpPr>
-        <p:spPr/>
-        <p:txBody>
-          <a:bodyPr/>
-          <a:lstStyle/>
-          <a:p>
-            <a:fld id="{3C6C2464-60A7-4E30-A622-ADF34D2E293A}" type="slidenum">
-              <a:rPr lang="en-US" smtClean="0"/>
-              <a:pPr/>
-              <a:t>20</a:t>
-            </a:fld>
-            <a:endParaRPr lang="en-US"/>
-          </a:p>
-        </p:txBody>
-      </p:sp>
-    </p:spTree>
-    <p:extLst>
-      <p:ext uri="{BB962C8B-B14F-4D97-AF65-F5344CB8AC3E}">
-        <p14:creationId xmlns:p14="http://schemas.microsoft.com/office/powerpoint/2010/main" val="2814321460"/>
-      </p:ext>
-    </p:extLst>
-  </p:cSld>
-  <p:clrMapOvr>
-    <a:masterClrMapping/>
-  </p:clrMapOvr>
-</p:notes>
-</file>
-
-<file path=ppt/notesSlides/notesSlide22.xml><?xml version="1.0" encoding="utf-8"?>
 <p:notes xmlns:a="http://schemas.openxmlformats.org/drawingml/2006/main" xmlns:r="http://schemas.openxmlformats.org/officeDocument/2006/relationships" xmlns:p="http://schemas.openxmlformats.org/presentationml/2006/main">
   <p:cSld>
     <p:spTree>
@@ -6074,7 +5991,7 @@
           <a:p>
             <a:fld id="{82B935C4-56E6-439A-ADDE-FA0DFE835FFD}" type="slidenum">
               <a:rPr lang="en-US" smtClean="0"/>
-              <a:t>21</a:t>
+              <a:t>20</a:t>
             </a:fld>
             <a:endParaRPr lang="en-US" dirty="0"/>
           </a:p>
@@ -6083,7 +6000,7 @@
     </p:spTree>
     <p:extLst>
       <p:ext uri="{BB962C8B-B14F-4D97-AF65-F5344CB8AC3E}">
-        <p14:creationId xmlns:p14="http://schemas.microsoft.com/office/powerpoint/2010/main" val="1708319017"/>
+        <p14:creationId xmlns:p14="http://schemas.microsoft.com/office/powerpoint/2010/main" val="640497454"/>
       </p:ext>
     </p:extLst>
   </p:cSld>
@@ -6093,7 +6010,7 @@
 </p:notes>
 </file>
 
-<file path=ppt/notesSlides/notesSlide23.xml><?xml version="1.0" encoding="utf-8"?>
+<file path=ppt/notesSlides/notesSlide22.xml><?xml version="1.0" encoding="utf-8"?>
 <p:notes xmlns:a="http://schemas.openxmlformats.org/drawingml/2006/main" xmlns:r="http://schemas.openxmlformats.org/officeDocument/2006/relationships" xmlns:p="http://schemas.openxmlformats.org/presentationml/2006/main">
   <p:cSld>
     <p:spTree>
@@ -6159,7 +6076,7 @@
             <a:fld id="{3C6C2464-60A7-4E30-A622-ADF34D2E293A}" type="slidenum">
               <a:rPr lang="en-US" smtClean="0"/>
               <a:pPr/>
-              <a:t>22</a:t>
+              <a:t>21</a:t>
             </a:fld>
             <a:endParaRPr lang="en-US"/>
           </a:p>
@@ -6168,7 +6085,7 @@
     </p:spTree>
     <p:extLst>
       <p:ext uri="{BB962C8B-B14F-4D97-AF65-F5344CB8AC3E}">
-        <p14:creationId xmlns:p14="http://schemas.microsoft.com/office/powerpoint/2010/main" val="596072993"/>
+        <p14:creationId xmlns:p14="http://schemas.microsoft.com/office/powerpoint/2010/main" val="2814321460"/>
       </p:ext>
     </p:extLst>
   </p:cSld>
@@ -6178,7 +6095,7 @@
 </p:notes>
 </file>
 
-<file path=ppt/notesSlides/notesSlide24.xml><?xml version="1.0" encoding="utf-8"?>
+<file path=ppt/notesSlides/notesSlide23.xml><?xml version="1.0" encoding="utf-8"?>
 <p:notes xmlns:a="http://schemas.openxmlformats.org/drawingml/2006/main" xmlns:r="http://schemas.openxmlformats.org/officeDocument/2006/relationships" xmlns:p="http://schemas.openxmlformats.org/presentationml/2006/main">
   <p:cSld>
     <p:spTree>
@@ -6248,7 +6165,7 @@
           <a:p>
             <a:fld id="{82B935C4-56E6-439A-ADDE-FA0DFE835FFD}" type="slidenum">
               <a:rPr lang="en-US" smtClean="0"/>
-              <a:t>23</a:t>
+              <a:t>22</a:t>
             </a:fld>
             <a:endParaRPr lang="en-US" dirty="0"/>
           </a:p>
@@ -6257,7 +6174,7 @@
     </p:spTree>
     <p:extLst>
       <p:ext uri="{BB962C8B-B14F-4D97-AF65-F5344CB8AC3E}">
-        <p14:creationId xmlns:p14="http://schemas.microsoft.com/office/powerpoint/2010/main" val="1766378720"/>
+        <p14:creationId xmlns:p14="http://schemas.microsoft.com/office/powerpoint/2010/main" val="1708319017"/>
       </p:ext>
     </p:extLst>
   </p:cSld>
@@ -6267,7 +6184,7 @@
 </p:notes>
 </file>
 
-<file path=ppt/notesSlides/notesSlide25.xml><?xml version="1.0" encoding="utf-8"?>
+<file path=ppt/notesSlides/notesSlide24.xml><?xml version="1.0" encoding="utf-8"?>
 <p:notes xmlns:a="http://schemas.openxmlformats.org/drawingml/2006/main" xmlns:r="http://schemas.openxmlformats.org/officeDocument/2006/relationships" xmlns:p="http://schemas.openxmlformats.org/presentationml/2006/main">
   <p:cSld>
     <p:spTree>
@@ -6333,7 +6250,7 @@
             <a:fld id="{3C6C2464-60A7-4E30-A622-ADF34D2E293A}" type="slidenum">
               <a:rPr lang="en-US" smtClean="0"/>
               <a:pPr/>
-              <a:t>24</a:t>
+              <a:t>23</a:t>
             </a:fld>
             <a:endParaRPr lang="en-US"/>
           </a:p>
@@ -6342,7 +6259,96 @@
     </p:spTree>
     <p:extLst>
       <p:ext uri="{BB962C8B-B14F-4D97-AF65-F5344CB8AC3E}">
-        <p14:creationId xmlns:p14="http://schemas.microsoft.com/office/powerpoint/2010/main" val="1102529951"/>
+        <p14:creationId xmlns:p14="http://schemas.microsoft.com/office/powerpoint/2010/main" val="596072993"/>
+      </p:ext>
+    </p:extLst>
+  </p:cSld>
+  <p:clrMapOvr>
+    <a:masterClrMapping/>
+  </p:clrMapOvr>
+</p:notes>
+</file>
+
+<file path=ppt/notesSlides/notesSlide25.xml><?xml version="1.0" encoding="utf-8"?>
+<p:notes xmlns:a="http://schemas.openxmlformats.org/drawingml/2006/main" xmlns:r="http://schemas.openxmlformats.org/officeDocument/2006/relationships" xmlns:p="http://schemas.openxmlformats.org/presentationml/2006/main">
+  <p:cSld>
+    <p:spTree>
+      <p:nvGrpSpPr>
+        <p:cNvPr id="1" name=""/>
+        <p:cNvGrpSpPr/>
+        <p:nvPr/>
+      </p:nvGrpSpPr>
+      <p:grpSpPr>
+        <a:xfrm>
+          <a:off x="0" y="0"/>
+          <a:ext cx="0" cy="0"/>
+          <a:chOff x="0" y="0"/>
+          <a:chExt cx="0" cy="0"/>
+        </a:xfrm>
+      </p:grpSpPr>
+      <p:sp>
+        <p:nvSpPr>
+          <p:cNvPr id="2" name="Slide Image Placeholder 1"/>
+          <p:cNvSpPr>
+            <a:spLocks noGrp="1" noRot="1" noChangeAspect="1"/>
+          </p:cNvSpPr>
+          <p:nvPr>
+            <p:ph type="sldImg"/>
+          </p:nvPr>
+        </p:nvSpPr>
+        <p:spPr>
+          <a:xfrm>
+            <a:off x="381000" y="685800"/>
+            <a:ext cx="6096000" cy="3429000"/>
+          </a:xfrm>
+        </p:spPr>
+      </p:sp>
+      <p:sp>
+        <p:nvSpPr>
+          <p:cNvPr id="3" name="Notes Placeholder 2"/>
+          <p:cNvSpPr>
+            <a:spLocks noGrp="1"/>
+          </p:cNvSpPr>
+          <p:nvPr>
+            <p:ph type="body" idx="1"/>
+          </p:nvPr>
+        </p:nvSpPr>
+        <p:spPr/>
+        <p:txBody>
+          <a:bodyPr/>
+          <a:lstStyle/>
+          <a:p>
+            <a:endParaRPr lang="en-US" dirty="0"/>
+          </a:p>
+        </p:txBody>
+      </p:sp>
+      <p:sp>
+        <p:nvSpPr>
+          <p:cNvPr id="4" name="Slide Number Placeholder 3"/>
+          <p:cNvSpPr>
+            <a:spLocks noGrp="1"/>
+          </p:cNvSpPr>
+          <p:nvPr>
+            <p:ph type="sldNum" sz="quarter" idx="10"/>
+          </p:nvPr>
+        </p:nvSpPr>
+        <p:spPr/>
+        <p:txBody>
+          <a:bodyPr/>
+          <a:lstStyle/>
+          <a:p>
+            <a:fld id="{82B935C4-56E6-439A-ADDE-FA0DFE835FFD}" type="slidenum">
+              <a:rPr lang="en-US" smtClean="0"/>
+              <a:t>24</a:t>
+            </a:fld>
+            <a:endParaRPr lang="en-US" dirty="0"/>
+          </a:p>
+        </p:txBody>
+      </p:sp>
+    </p:spTree>
+    <p:extLst>
+      <p:ext uri="{BB962C8B-B14F-4D97-AF65-F5344CB8AC3E}">
+        <p14:creationId xmlns:p14="http://schemas.microsoft.com/office/powerpoint/2010/main" val="1766378720"/>
       </p:ext>
     </p:extLst>
   </p:cSld>
@@ -6427,7 +6433,7 @@
     </p:spTree>
     <p:extLst>
       <p:ext uri="{BB962C8B-B14F-4D97-AF65-F5344CB8AC3E}">
-        <p14:creationId xmlns:p14="http://schemas.microsoft.com/office/powerpoint/2010/main" val="892970883"/>
+        <p14:creationId xmlns:p14="http://schemas.microsoft.com/office/powerpoint/2010/main" val="1102529951"/>
       </p:ext>
     </p:extLst>
   </p:cSld>
@@ -6512,7 +6518,7 @@
     </p:spTree>
     <p:extLst>
       <p:ext uri="{BB962C8B-B14F-4D97-AF65-F5344CB8AC3E}">
-        <p14:creationId xmlns:p14="http://schemas.microsoft.com/office/powerpoint/2010/main" val="893361074"/>
+        <p14:creationId xmlns:p14="http://schemas.microsoft.com/office/powerpoint/2010/main" val="892970883"/>
       </p:ext>
     </p:extLst>
   </p:cSld>
@@ -6597,7 +6603,7 @@
     </p:spTree>
     <p:extLst>
       <p:ext uri="{BB962C8B-B14F-4D97-AF65-F5344CB8AC3E}">
-        <p14:creationId xmlns:p14="http://schemas.microsoft.com/office/powerpoint/2010/main" val="802415603"/>
+        <p14:creationId xmlns:p14="http://schemas.microsoft.com/office/powerpoint/2010/main" val="893361074"/>
       </p:ext>
     </p:extLst>
   </p:cSld>
@@ -6634,12 +6640,7 @@
             <p:ph type="sldImg"/>
           </p:nvPr>
         </p:nvSpPr>
-        <p:spPr>
-          <a:xfrm>
-            <a:off x="381000" y="685800"/>
-            <a:ext cx="6096000" cy="3429000"/>
-          </a:xfrm>
-        </p:spPr>
+        <p:spPr/>
       </p:sp>
       <p:sp>
         <p:nvSpPr>
@@ -6656,7 +6657,7 @@
           <a:bodyPr/>
           <a:lstStyle/>
           <a:p>
-            <a:endParaRPr lang="en-US" dirty="0"/>
+            <a:endParaRPr lang="en-US"/>
           </a:p>
         </p:txBody>
       </p:sp>
@@ -6675,18 +6676,19 @@
           <a:bodyPr/>
           <a:lstStyle/>
           <a:p>
-            <a:fld id="{82B935C4-56E6-439A-ADDE-FA0DFE835FFD}" type="slidenum">
+            <a:fld id="{3C6C2464-60A7-4E30-A622-ADF34D2E293A}" type="slidenum">
               <a:rPr lang="en-US" smtClean="0"/>
+              <a:pPr/>
               <a:t>28</a:t>
             </a:fld>
-            <a:endParaRPr lang="en-US" dirty="0"/>
+            <a:endParaRPr lang="en-US"/>
           </a:p>
         </p:txBody>
       </p:sp>
     </p:spTree>
     <p:extLst>
       <p:ext uri="{BB962C8B-B14F-4D97-AF65-F5344CB8AC3E}">
-        <p14:creationId xmlns:p14="http://schemas.microsoft.com/office/powerpoint/2010/main" val="2507551224"/>
+        <p14:creationId xmlns:p14="http://schemas.microsoft.com/office/powerpoint/2010/main" val="802415603"/>
       </p:ext>
     </p:extLst>
   </p:cSld>
@@ -6808,7 +6810,12 @@
             <p:ph type="sldImg"/>
           </p:nvPr>
         </p:nvSpPr>
-        <p:spPr/>
+        <p:spPr>
+          <a:xfrm>
+            <a:off x="381000" y="685800"/>
+            <a:ext cx="6096000" cy="3429000"/>
+          </a:xfrm>
+        </p:spPr>
       </p:sp>
       <p:sp>
         <p:nvSpPr>
@@ -6825,7 +6832,7 @@
           <a:bodyPr/>
           <a:lstStyle/>
           <a:p>
-            <a:endParaRPr lang="en-US"/>
+            <a:endParaRPr lang="en-US" dirty="0"/>
           </a:p>
         </p:txBody>
       </p:sp>
@@ -6844,19 +6851,18 @@
           <a:bodyPr/>
           <a:lstStyle/>
           <a:p>
-            <a:fld id="{3C6C2464-60A7-4E30-A622-ADF34D2E293A}" type="slidenum">
+            <a:fld id="{82B935C4-56E6-439A-ADDE-FA0DFE835FFD}" type="slidenum">
               <a:rPr lang="en-US" smtClean="0"/>
-              <a:pPr/>
               <a:t>29</a:t>
             </a:fld>
-            <a:endParaRPr lang="en-US"/>
+            <a:endParaRPr lang="en-US" dirty="0"/>
           </a:p>
         </p:txBody>
       </p:sp>
     </p:spTree>
     <p:extLst>
       <p:ext uri="{BB962C8B-B14F-4D97-AF65-F5344CB8AC3E}">
-        <p14:creationId xmlns:p14="http://schemas.microsoft.com/office/powerpoint/2010/main" val="2856506605"/>
+        <p14:creationId xmlns:p14="http://schemas.microsoft.com/office/powerpoint/2010/main" val="2507551224"/>
       </p:ext>
     </p:extLst>
   </p:cSld>
@@ -6893,12 +6899,7 @@
             <p:ph type="sldImg"/>
           </p:nvPr>
         </p:nvSpPr>
-        <p:spPr>
-          <a:xfrm>
-            <a:off x="381000" y="685800"/>
-            <a:ext cx="6096000" cy="3429000"/>
-          </a:xfrm>
-        </p:spPr>
+        <p:spPr/>
       </p:sp>
       <p:sp>
         <p:nvSpPr>
@@ -6915,7 +6916,7 @@
           <a:bodyPr/>
           <a:lstStyle/>
           <a:p>
-            <a:endParaRPr lang="en-US" dirty="0"/>
+            <a:endParaRPr lang="en-US"/>
           </a:p>
         </p:txBody>
       </p:sp>
@@ -6934,18 +6935,19 @@
           <a:bodyPr/>
           <a:lstStyle/>
           <a:p>
-            <a:fld id="{82B935C4-56E6-439A-ADDE-FA0DFE835FFD}" type="slidenum">
+            <a:fld id="{3C6C2464-60A7-4E30-A622-ADF34D2E293A}" type="slidenum">
               <a:rPr lang="en-US" smtClean="0"/>
+              <a:pPr/>
               <a:t>30</a:t>
             </a:fld>
-            <a:endParaRPr lang="en-US" dirty="0"/>
+            <a:endParaRPr lang="en-US"/>
           </a:p>
         </p:txBody>
       </p:sp>
     </p:spTree>
     <p:extLst>
       <p:ext uri="{BB962C8B-B14F-4D97-AF65-F5344CB8AC3E}">
-        <p14:creationId xmlns:p14="http://schemas.microsoft.com/office/powerpoint/2010/main" val="735924142"/>
+        <p14:creationId xmlns:p14="http://schemas.microsoft.com/office/powerpoint/2010/main" val="2856506605"/>
       </p:ext>
     </p:extLst>
   </p:cSld>
@@ -7034,7 +7036,7 @@
     </p:spTree>
     <p:extLst>
       <p:ext uri="{BB962C8B-B14F-4D97-AF65-F5344CB8AC3E}">
-        <p14:creationId xmlns:p14="http://schemas.microsoft.com/office/powerpoint/2010/main" val="3250505717"/>
+        <p14:creationId xmlns:p14="http://schemas.microsoft.com/office/powerpoint/2010/main" val="735924142"/>
       </p:ext>
     </p:extLst>
   </p:cSld>
@@ -7045,91 +7047,6 @@
 </file>
 
 <file path=ppt/notesSlides/notesSlide33.xml><?xml version="1.0" encoding="utf-8"?>
-<p:notes xmlns:a="http://schemas.openxmlformats.org/drawingml/2006/main" xmlns:r="http://schemas.openxmlformats.org/officeDocument/2006/relationships" xmlns:p="http://schemas.openxmlformats.org/presentationml/2006/main">
-  <p:cSld>
-    <p:spTree>
-      <p:nvGrpSpPr>
-        <p:cNvPr id="1" name=""/>
-        <p:cNvGrpSpPr/>
-        <p:nvPr/>
-      </p:nvGrpSpPr>
-      <p:grpSpPr>
-        <a:xfrm>
-          <a:off x="0" y="0"/>
-          <a:ext cx="0" cy="0"/>
-          <a:chOff x="0" y="0"/>
-          <a:chExt cx="0" cy="0"/>
-        </a:xfrm>
-      </p:grpSpPr>
-      <p:sp>
-        <p:nvSpPr>
-          <p:cNvPr id="2" name="Slide Image Placeholder 1"/>
-          <p:cNvSpPr>
-            <a:spLocks noGrp="1" noRot="1" noChangeAspect="1"/>
-          </p:cNvSpPr>
-          <p:nvPr>
-            <p:ph type="sldImg"/>
-          </p:nvPr>
-        </p:nvSpPr>
-        <p:spPr/>
-      </p:sp>
-      <p:sp>
-        <p:nvSpPr>
-          <p:cNvPr id="3" name="Notes Placeholder 2"/>
-          <p:cNvSpPr>
-            <a:spLocks noGrp="1"/>
-          </p:cNvSpPr>
-          <p:nvPr>
-            <p:ph type="body" idx="1"/>
-          </p:nvPr>
-        </p:nvSpPr>
-        <p:spPr/>
-        <p:txBody>
-          <a:bodyPr/>
-          <a:lstStyle/>
-          <a:p>
-            <a:endParaRPr lang="en-US"/>
-          </a:p>
-        </p:txBody>
-      </p:sp>
-      <p:sp>
-        <p:nvSpPr>
-          <p:cNvPr id="4" name="Slide Number Placeholder 3"/>
-          <p:cNvSpPr>
-            <a:spLocks noGrp="1"/>
-          </p:cNvSpPr>
-          <p:nvPr>
-            <p:ph type="sldNum" sz="quarter" idx="10"/>
-          </p:nvPr>
-        </p:nvSpPr>
-        <p:spPr/>
-        <p:txBody>
-          <a:bodyPr/>
-          <a:lstStyle/>
-          <a:p>
-            <a:fld id="{3C6C2464-60A7-4E30-A622-ADF34D2E293A}" type="slidenum">
-              <a:rPr lang="en-US" smtClean="0"/>
-              <a:pPr/>
-              <a:t>32</a:t>
-            </a:fld>
-            <a:endParaRPr lang="en-US"/>
-          </a:p>
-        </p:txBody>
-      </p:sp>
-    </p:spTree>
-    <p:extLst>
-      <p:ext uri="{BB962C8B-B14F-4D97-AF65-F5344CB8AC3E}">
-        <p14:creationId xmlns:p14="http://schemas.microsoft.com/office/powerpoint/2010/main" val="3937792068"/>
-      </p:ext>
-    </p:extLst>
-  </p:cSld>
-  <p:clrMapOvr>
-    <a:masterClrMapping/>
-  </p:clrMapOvr>
-</p:notes>
-</file>
-
-<file path=ppt/notesSlides/notesSlide34.xml><?xml version="1.0" encoding="utf-8"?>
 <p:notes xmlns:a="http://schemas.openxmlformats.org/drawingml/2006/main" xmlns:r="http://schemas.openxmlformats.org/officeDocument/2006/relationships" xmlns:p="http://schemas.openxmlformats.org/presentationml/2006/main">
   <p:cSld>
     <p:spTree>
@@ -7199,7 +7116,7 @@
           <a:p>
             <a:fld id="{82B935C4-56E6-439A-ADDE-FA0DFE835FFD}" type="slidenum">
               <a:rPr lang="en-US" smtClean="0"/>
-              <a:t>33</a:t>
+              <a:t>32</a:t>
             </a:fld>
             <a:endParaRPr lang="en-US" dirty="0"/>
           </a:p>
@@ -7208,7 +7125,7 @@
     </p:spTree>
     <p:extLst>
       <p:ext uri="{BB962C8B-B14F-4D97-AF65-F5344CB8AC3E}">
-        <p14:creationId xmlns:p14="http://schemas.microsoft.com/office/powerpoint/2010/main" val="1926805111"/>
+        <p14:creationId xmlns:p14="http://schemas.microsoft.com/office/powerpoint/2010/main" val="3250505717"/>
       </p:ext>
     </p:extLst>
   </p:cSld>
@@ -7218,7 +7135,7 @@
 </p:notes>
 </file>
 
-<file path=ppt/notesSlides/notesSlide35.xml><?xml version="1.0" encoding="utf-8"?>
+<file path=ppt/notesSlides/notesSlide34.xml><?xml version="1.0" encoding="utf-8"?>
 <p:notes xmlns:a="http://schemas.openxmlformats.org/drawingml/2006/main" xmlns:r="http://schemas.openxmlformats.org/officeDocument/2006/relationships" xmlns:p="http://schemas.openxmlformats.org/presentationml/2006/main">
   <p:cSld>
     <p:spTree>
@@ -7284,7 +7201,7 @@
             <a:fld id="{3C6C2464-60A7-4E30-A622-ADF34D2E293A}" type="slidenum">
               <a:rPr lang="en-US" smtClean="0"/>
               <a:pPr/>
-              <a:t>34</a:t>
+              <a:t>33</a:t>
             </a:fld>
             <a:endParaRPr lang="en-US"/>
           </a:p>
@@ -7293,7 +7210,7 @@
     </p:spTree>
     <p:extLst>
       <p:ext uri="{BB962C8B-B14F-4D97-AF65-F5344CB8AC3E}">
-        <p14:creationId xmlns:p14="http://schemas.microsoft.com/office/powerpoint/2010/main" val="26617835"/>
+        <p14:creationId xmlns:p14="http://schemas.microsoft.com/office/powerpoint/2010/main" val="3937792068"/>
       </p:ext>
     </p:extLst>
   </p:cSld>
@@ -7303,7 +7220,7 @@
 </p:notes>
 </file>
 
-<file path=ppt/notesSlides/notesSlide36.xml><?xml version="1.0" encoding="utf-8"?>
+<file path=ppt/notesSlides/notesSlide35.xml><?xml version="1.0" encoding="utf-8"?>
 <p:notes xmlns:a="http://schemas.openxmlformats.org/drawingml/2006/main" xmlns:r="http://schemas.openxmlformats.org/officeDocument/2006/relationships" xmlns:p="http://schemas.openxmlformats.org/presentationml/2006/main">
   <p:cSld>
     <p:spTree>
@@ -7373,7 +7290,7 @@
           <a:p>
             <a:fld id="{82B935C4-56E6-439A-ADDE-FA0DFE835FFD}" type="slidenum">
               <a:rPr lang="en-US" smtClean="0"/>
-              <a:t>35</a:t>
+              <a:t>34</a:t>
             </a:fld>
             <a:endParaRPr lang="en-US" dirty="0"/>
           </a:p>
@@ -7382,7 +7299,7 @@
     </p:spTree>
     <p:extLst>
       <p:ext uri="{BB962C8B-B14F-4D97-AF65-F5344CB8AC3E}">
-        <p14:creationId xmlns:p14="http://schemas.microsoft.com/office/powerpoint/2010/main" val="817620022"/>
+        <p14:creationId xmlns:p14="http://schemas.microsoft.com/office/powerpoint/2010/main" val="1926805111"/>
       </p:ext>
     </p:extLst>
   </p:cSld>
@@ -7392,7 +7309,7 @@
 </p:notes>
 </file>
 
-<file path=ppt/notesSlides/notesSlide37.xml><?xml version="1.0" encoding="utf-8"?>
+<file path=ppt/notesSlides/notesSlide36.xml><?xml version="1.0" encoding="utf-8"?>
 <p:notes xmlns:a="http://schemas.openxmlformats.org/drawingml/2006/main" xmlns:r="http://schemas.openxmlformats.org/officeDocument/2006/relationships" xmlns:p="http://schemas.openxmlformats.org/presentationml/2006/main">
   <p:cSld>
     <p:spTree>
@@ -7458,7 +7375,7 @@
             <a:fld id="{3C6C2464-60A7-4E30-A622-ADF34D2E293A}" type="slidenum">
               <a:rPr lang="en-US" smtClean="0"/>
               <a:pPr/>
-              <a:t>36</a:t>
+              <a:t>35</a:t>
             </a:fld>
             <a:endParaRPr lang="en-US"/>
           </a:p>
@@ -7467,7 +7384,96 @@
     </p:spTree>
     <p:extLst>
       <p:ext uri="{BB962C8B-B14F-4D97-AF65-F5344CB8AC3E}">
-        <p14:creationId xmlns:p14="http://schemas.microsoft.com/office/powerpoint/2010/main" val="2620776223"/>
+        <p14:creationId xmlns:p14="http://schemas.microsoft.com/office/powerpoint/2010/main" val="26617835"/>
+      </p:ext>
+    </p:extLst>
+  </p:cSld>
+  <p:clrMapOvr>
+    <a:masterClrMapping/>
+  </p:clrMapOvr>
+</p:notes>
+</file>
+
+<file path=ppt/notesSlides/notesSlide37.xml><?xml version="1.0" encoding="utf-8"?>
+<p:notes xmlns:a="http://schemas.openxmlformats.org/drawingml/2006/main" xmlns:r="http://schemas.openxmlformats.org/officeDocument/2006/relationships" xmlns:p="http://schemas.openxmlformats.org/presentationml/2006/main">
+  <p:cSld>
+    <p:spTree>
+      <p:nvGrpSpPr>
+        <p:cNvPr id="1" name=""/>
+        <p:cNvGrpSpPr/>
+        <p:nvPr/>
+      </p:nvGrpSpPr>
+      <p:grpSpPr>
+        <a:xfrm>
+          <a:off x="0" y="0"/>
+          <a:ext cx="0" cy="0"/>
+          <a:chOff x="0" y="0"/>
+          <a:chExt cx="0" cy="0"/>
+        </a:xfrm>
+      </p:grpSpPr>
+      <p:sp>
+        <p:nvSpPr>
+          <p:cNvPr id="2" name="Slide Image Placeholder 1"/>
+          <p:cNvSpPr>
+            <a:spLocks noGrp="1" noRot="1" noChangeAspect="1"/>
+          </p:cNvSpPr>
+          <p:nvPr>
+            <p:ph type="sldImg"/>
+          </p:nvPr>
+        </p:nvSpPr>
+        <p:spPr>
+          <a:xfrm>
+            <a:off x="381000" y="685800"/>
+            <a:ext cx="6096000" cy="3429000"/>
+          </a:xfrm>
+        </p:spPr>
+      </p:sp>
+      <p:sp>
+        <p:nvSpPr>
+          <p:cNvPr id="3" name="Notes Placeholder 2"/>
+          <p:cNvSpPr>
+            <a:spLocks noGrp="1"/>
+          </p:cNvSpPr>
+          <p:nvPr>
+            <p:ph type="body" idx="1"/>
+          </p:nvPr>
+        </p:nvSpPr>
+        <p:spPr/>
+        <p:txBody>
+          <a:bodyPr/>
+          <a:lstStyle/>
+          <a:p>
+            <a:endParaRPr lang="en-US" dirty="0"/>
+          </a:p>
+        </p:txBody>
+      </p:sp>
+      <p:sp>
+        <p:nvSpPr>
+          <p:cNvPr id="4" name="Slide Number Placeholder 3"/>
+          <p:cNvSpPr>
+            <a:spLocks noGrp="1"/>
+          </p:cNvSpPr>
+          <p:nvPr>
+            <p:ph type="sldNum" sz="quarter" idx="10"/>
+          </p:nvPr>
+        </p:nvSpPr>
+        <p:spPr/>
+        <p:txBody>
+          <a:bodyPr/>
+          <a:lstStyle/>
+          <a:p>
+            <a:fld id="{82B935C4-56E6-439A-ADDE-FA0DFE835FFD}" type="slidenum">
+              <a:rPr lang="en-US" smtClean="0"/>
+              <a:t>36</a:t>
+            </a:fld>
+            <a:endParaRPr lang="en-US" dirty="0"/>
+          </a:p>
+        </p:txBody>
+      </p:sp>
+    </p:spTree>
+    <p:extLst>
+      <p:ext uri="{BB962C8B-B14F-4D97-AF65-F5344CB8AC3E}">
+        <p14:creationId xmlns:p14="http://schemas.microsoft.com/office/powerpoint/2010/main" val="817620022"/>
       </p:ext>
     </p:extLst>
   </p:cSld>
@@ -7552,7 +7558,7 @@
     </p:spTree>
     <p:extLst>
       <p:ext uri="{BB962C8B-B14F-4D97-AF65-F5344CB8AC3E}">
-        <p14:creationId xmlns:p14="http://schemas.microsoft.com/office/powerpoint/2010/main" val="2801904372"/>
+        <p14:creationId xmlns:p14="http://schemas.microsoft.com/office/powerpoint/2010/main" val="2620776223"/>
       </p:ext>
     </p:extLst>
   </p:cSld>
@@ -7589,12 +7595,7 @@
             <p:ph type="sldImg"/>
           </p:nvPr>
         </p:nvSpPr>
-        <p:spPr>
-          <a:xfrm>
-            <a:off x="381000" y="685800"/>
-            <a:ext cx="6096000" cy="3429000"/>
-          </a:xfrm>
-        </p:spPr>
+        <p:spPr/>
       </p:sp>
       <p:sp>
         <p:nvSpPr>
@@ -7611,7 +7612,7 @@
           <a:bodyPr/>
           <a:lstStyle/>
           <a:p>
-            <a:endParaRPr lang="en-US" dirty="0"/>
+            <a:endParaRPr lang="en-US"/>
           </a:p>
         </p:txBody>
       </p:sp>
@@ -7630,18 +7631,19 @@
           <a:bodyPr/>
           <a:lstStyle/>
           <a:p>
-            <a:fld id="{82B935C4-56E6-439A-ADDE-FA0DFE835FFD}" type="slidenum">
+            <a:fld id="{3C6C2464-60A7-4E30-A622-ADF34D2E293A}" type="slidenum">
               <a:rPr lang="en-US" smtClean="0"/>
+              <a:pPr/>
               <a:t>38</a:t>
             </a:fld>
-            <a:endParaRPr lang="en-US" dirty="0"/>
+            <a:endParaRPr lang="en-US"/>
           </a:p>
         </p:txBody>
       </p:sp>
     </p:spTree>
     <p:extLst>
       <p:ext uri="{BB962C8B-B14F-4D97-AF65-F5344CB8AC3E}">
-        <p14:creationId xmlns:p14="http://schemas.microsoft.com/office/powerpoint/2010/main" val="363378313"/>
+        <p14:creationId xmlns:p14="http://schemas.microsoft.com/office/powerpoint/2010/main" val="2801904372"/>
       </p:ext>
     </p:extLst>
   </p:cSld>
@@ -8077,7 +8079,6 @@
           <a:p>
             <a:fld id="{82B935C4-56E6-439A-ADDE-FA0DFE835FFD}" type="slidenum">
               <a:rPr lang="en-US" smtClean="0"/>
-              <a:pPr/>
               <a:t>42</a:t>
             </a:fld>
             <a:endParaRPr lang="en-US" dirty="0"/>
@@ -8087,7 +8088,7 @@
     </p:spTree>
     <p:extLst>
       <p:ext uri="{BB962C8B-B14F-4D97-AF65-F5344CB8AC3E}">
-        <p14:creationId xmlns:p14="http://schemas.microsoft.com/office/powerpoint/2010/main" val="2290343597"/>
+        <p14:creationId xmlns:p14="http://schemas.microsoft.com/office/powerpoint/2010/main" val="363378313"/>
       </p:ext>
     </p:extLst>
   </p:cSld>
@@ -8627,7 +8628,7 @@
     </p:spTree>
     <p:extLst>
       <p:ext uri="{BB962C8B-B14F-4D97-AF65-F5344CB8AC3E}">
-        <p14:creationId xmlns:p14="http://schemas.microsoft.com/office/powerpoint/2010/main" val="707731962"/>
+        <p14:creationId xmlns:p14="http://schemas.microsoft.com/office/powerpoint/2010/main" val="2290343597"/>
       </p:ext>
     </p:extLst>
   </p:cSld>
@@ -8751,8 +8752,8 @@
         </p:nvSpPr>
         <p:spPr>
           <a:xfrm>
-            <a:off x="407988" y="696913"/>
-            <a:ext cx="6194425" cy="3486150"/>
+            <a:off x="381000" y="685800"/>
+            <a:ext cx="6096000" cy="3429000"/>
           </a:xfrm>
         </p:spPr>
       </p:sp>
@@ -8802,7 +8803,7 @@
     </p:spTree>
     <p:extLst>
       <p:ext uri="{BB962C8B-B14F-4D97-AF65-F5344CB8AC3E}">
-        <p14:creationId xmlns:p14="http://schemas.microsoft.com/office/powerpoint/2010/main" val="3787635896"/>
+        <p14:creationId xmlns:p14="http://schemas.microsoft.com/office/powerpoint/2010/main" val="707731962"/>
       </p:ext>
     </p:extLst>
   </p:cSld>
@@ -8841,8 +8842,8 @@
         </p:nvSpPr>
         <p:spPr>
           <a:xfrm>
-            <a:off x="381000" y="685800"/>
-            <a:ext cx="6096000" cy="3429000"/>
+            <a:off x="407988" y="696913"/>
+            <a:ext cx="6194425" cy="3486150"/>
           </a:xfrm>
         </p:spPr>
       </p:sp>
@@ -8882,6 +8883,7 @@
           <a:p>
             <a:fld id="{82B935C4-56E6-439A-ADDE-FA0DFE835FFD}" type="slidenum">
               <a:rPr lang="en-US" smtClean="0"/>
+              <a:pPr/>
               <a:t>50</a:t>
             </a:fld>
             <a:endParaRPr lang="en-US" dirty="0"/>
@@ -8891,7 +8893,7 @@
     </p:spTree>
     <p:extLst>
       <p:ext uri="{BB962C8B-B14F-4D97-AF65-F5344CB8AC3E}">
-        <p14:creationId xmlns:p14="http://schemas.microsoft.com/office/powerpoint/2010/main" val="363378313"/>
+        <p14:creationId xmlns:p14="http://schemas.microsoft.com/office/powerpoint/2010/main" val="3787635896"/>
       </p:ext>
     </p:extLst>
   </p:cSld>
@@ -9373,6 +9375,95 @@
             <p:ph type="sldImg"/>
           </p:nvPr>
         </p:nvSpPr>
+        <p:spPr>
+          <a:xfrm>
+            <a:off x="381000" y="685800"/>
+            <a:ext cx="6096000" cy="3429000"/>
+          </a:xfrm>
+        </p:spPr>
+      </p:sp>
+      <p:sp>
+        <p:nvSpPr>
+          <p:cNvPr id="3" name="Notes Placeholder 2"/>
+          <p:cNvSpPr>
+            <a:spLocks noGrp="1"/>
+          </p:cNvSpPr>
+          <p:nvPr>
+            <p:ph type="body" idx="1"/>
+          </p:nvPr>
+        </p:nvSpPr>
+        <p:spPr/>
+        <p:txBody>
+          <a:bodyPr/>
+          <a:lstStyle/>
+          <a:p>
+            <a:endParaRPr lang="en-US" dirty="0"/>
+          </a:p>
+        </p:txBody>
+      </p:sp>
+      <p:sp>
+        <p:nvSpPr>
+          <p:cNvPr id="4" name="Slide Number Placeholder 3"/>
+          <p:cNvSpPr>
+            <a:spLocks noGrp="1"/>
+          </p:cNvSpPr>
+          <p:nvPr>
+            <p:ph type="sldNum" sz="quarter" idx="10"/>
+          </p:nvPr>
+        </p:nvSpPr>
+        <p:spPr/>
+        <p:txBody>
+          <a:bodyPr/>
+          <a:lstStyle/>
+          <a:p>
+            <a:fld id="{82B935C4-56E6-439A-ADDE-FA0DFE835FFD}" type="slidenum">
+              <a:rPr lang="en-US" smtClean="0"/>
+              <a:t>56</a:t>
+            </a:fld>
+            <a:endParaRPr lang="en-US" dirty="0"/>
+          </a:p>
+        </p:txBody>
+      </p:sp>
+    </p:spTree>
+    <p:extLst>
+      <p:ext uri="{BB962C8B-B14F-4D97-AF65-F5344CB8AC3E}">
+        <p14:creationId xmlns:p14="http://schemas.microsoft.com/office/powerpoint/2010/main" val="363378313"/>
+      </p:ext>
+    </p:extLst>
+  </p:cSld>
+  <p:clrMapOvr>
+    <a:masterClrMapping/>
+  </p:clrMapOvr>
+</p:notes>
+</file>
+
+<file path=ppt/notesSlides/notesSlide58.xml><?xml version="1.0" encoding="utf-8"?>
+<p:notes xmlns:a="http://schemas.openxmlformats.org/drawingml/2006/main" xmlns:r="http://schemas.openxmlformats.org/officeDocument/2006/relationships" xmlns:p="http://schemas.openxmlformats.org/presentationml/2006/main">
+  <p:cSld>
+    <p:spTree>
+      <p:nvGrpSpPr>
+        <p:cNvPr id="1" name=""/>
+        <p:cNvGrpSpPr/>
+        <p:nvPr/>
+      </p:nvGrpSpPr>
+      <p:grpSpPr>
+        <a:xfrm>
+          <a:off x="0" y="0"/>
+          <a:ext cx="0" cy="0"/>
+          <a:chOff x="0" y="0"/>
+          <a:chExt cx="0" cy="0"/>
+        </a:xfrm>
+      </p:grpSpPr>
+      <p:sp>
+        <p:nvSpPr>
+          <p:cNvPr id="2" name="Slide Image Placeholder 1"/>
+          <p:cNvSpPr>
+            <a:spLocks noGrp="1" noRot="1" noChangeAspect="1"/>
+          </p:cNvSpPr>
+          <p:nvPr>
+            <p:ph type="sldImg"/>
+          </p:nvPr>
+        </p:nvSpPr>
         <p:spPr/>
       </p:sp>
       <p:sp>
@@ -9412,7 +9503,7 @@
             <a:fld id="{3C6C2464-60A7-4E30-A622-ADF34D2E293A}" type="slidenum">
               <a:rPr lang="en-US" smtClean="0"/>
               <a:pPr/>
-              <a:t>56</a:t>
+              <a:t>57</a:t>
             </a:fld>
             <a:endParaRPr lang="en-US"/>
           </a:p>
@@ -18355,7 +18446,7 @@
           <a:graphicData uri="http://schemas.openxmlformats.org/presentationml/2006/ole">
             <mc:AlternateContent xmlns:mc="http://schemas.openxmlformats.org/markup-compatibility/2006">
               <mc:Choice xmlns:v="urn:schemas-microsoft-com:vml" Requires="v">
-                <p:oleObj spid="_x0000_s4158" name="think-cell Slide" r:id="rId5" imgW="360" imgH="360" progId="TCLayout.ActiveDocument.1">
+                <p:oleObj spid="_x0000_s4160" name="think-cell Slide" r:id="rId5" imgW="360" imgH="360" progId="TCLayout.ActiveDocument.1">
                   <p:embed/>
                 </p:oleObj>
               </mc:Choice>
@@ -30256,7 +30347,7 @@
           <a:graphicData uri="http://schemas.openxmlformats.org/presentationml/2006/ole">
             <mc:AlternateContent xmlns:mc="http://schemas.openxmlformats.org/markup-compatibility/2006">
               <mc:Choice xmlns:v="urn:schemas-microsoft-com:vml" Requires="v">
-                <p:oleObj spid="_x0000_s3144" name="think-cell Slide" r:id="rId4" imgW="360" imgH="360" progId="TCLayout.ActiveDocument.1">
+                <p:oleObj spid="_x0000_s3146" name="think-cell Slide" r:id="rId4" imgW="360" imgH="360" progId="TCLayout.ActiveDocument.1">
                   <p:embed/>
                 </p:oleObj>
               </mc:Choice>
@@ -39073,6 +39164,308 @@
       </p:grpSpPr>
       <p:sp>
         <p:nvSpPr>
+          <p:cNvPr id="2" name="Title 1"/>
+          <p:cNvSpPr>
+            <a:spLocks noGrp="1"/>
+          </p:cNvSpPr>
+          <p:nvPr>
+            <p:ph type="title"/>
+          </p:nvPr>
+        </p:nvSpPr>
+        <p:spPr/>
+        <p:txBody>
+          <a:bodyPr/>
+          <a:lstStyle/>
+          <a:p>
+            <a:r>
+              <a:rPr lang="en-US" dirty="0"/>
+              <a:t>Training (Data Science)</a:t>
+            </a:r>
+          </a:p>
+        </p:txBody>
+      </p:sp>
+      <p:sp>
+        <p:nvSpPr>
+          <p:cNvPr id="7" name="Content Placeholder 3">
+            <a:extLst>
+              <a:ext uri="{FF2B5EF4-FFF2-40B4-BE49-F238E27FC236}">
+                <a16:creationId xmlns:a16="http://schemas.microsoft.com/office/drawing/2014/main" id="{01999B46-DEE6-4250-9D0C-15C12B3DDED5}"/>
+              </a:ext>
+            </a:extLst>
+          </p:cNvPr>
+          <p:cNvSpPr txBox="1">
+            <a:spLocks/>
+          </p:cNvSpPr>
+          <p:nvPr/>
+        </p:nvSpPr>
+        <p:spPr>
+          <a:xfrm>
+            <a:off x="608013" y="1066800"/>
+            <a:ext cx="7619999" cy="5083175"/>
+          </a:xfrm>
+          <a:prstGeom prst="rect">
+            <a:avLst/>
+          </a:prstGeom>
+        </p:spPr>
+        <p:txBody>
+          <a:bodyPr/>
+          <a:lstStyle>
+            <a:lvl1pPr marL="0" indent="0" algn="l" defTabSz="914400" rtl="0" eaLnBrk="1" latinLnBrk="0" hangingPunct="1">
+              <a:lnSpc>
+                <a:spcPct val="100000"/>
+              </a:lnSpc>
+              <a:spcBef>
+                <a:spcPts val="1800"/>
+              </a:spcBef>
+              <a:spcAft>
+                <a:spcPts val="0"/>
+              </a:spcAft>
+              <a:buClr>
+                <a:schemeClr val="accent1"/>
+              </a:buClr>
+              <a:buSzPct val="130000"/>
+              <a:buFont typeface="Arial" panose="020B0604020202020204" pitchFamily="34" charset="0"/>
+              <a:buChar char="​"/>
+              <a:tabLst/>
+              <a:defRPr lang="en-US" sz="1800" b="1" i="0" kern="1200" dirty="0" smtClean="0">
+                <a:solidFill>
+                  <a:schemeClr val="accent1"/>
+                </a:solidFill>
+                <a:latin typeface="+mn-lt"/>
+                <a:ea typeface="+mn-ea"/>
+                <a:cs typeface="+mn-cs"/>
+              </a:defRPr>
+            </a:lvl1pPr>
+            <a:lvl2pPr marL="174625" indent="-174625" algn="l" defTabSz="914400" rtl="0" eaLnBrk="1" latinLnBrk="0" hangingPunct="1">
+              <a:lnSpc>
+                <a:spcPct val="110000"/>
+              </a:lnSpc>
+              <a:spcBef>
+                <a:spcPts val="1400"/>
+              </a:spcBef>
+              <a:buClr>
+                <a:schemeClr val="accent1"/>
+              </a:buClr>
+              <a:buSzPct val="130000"/>
+              <a:buFont typeface="Arial Black" panose="020B0A04020102020204" pitchFamily="34" charset="0"/>
+              <a:buChar char="›"/>
+              <a:defRPr lang="en-US" sz="1600" b="0" i="0" kern="1200" dirty="0" smtClean="0">
+                <a:solidFill>
+                  <a:schemeClr val="tx1"/>
+                </a:solidFill>
+                <a:latin typeface="+mn-lt"/>
+                <a:ea typeface="+mn-ea"/>
+                <a:cs typeface="+mn-cs"/>
+              </a:defRPr>
+            </a:lvl2pPr>
+            <a:lvl3pPr marL="517525" indent="-287338" algn="l" defTabSz="914400" rtl="0" eaLnBrk="1" latinLnBrk="0" hangingPunct="1">
+              <a:lnSpc>
+                <a:spcPct val="110000"/>
+              </a:lnSpc>
+              <a:spcBef>
+                <a:spcPts val="800"/>
+              </a:spcBef>
+              <a:buClr>
+                <a:schemeClr val="accent1"/>
+              </a:buClr>
+              <a:buSzPct val="130000"/>
+              <a:buFont typeface="Arial" panose="020B0604020202020204" pitchFamily="34" charset="0"/>
+              <a:buChar char="‒"/>
+              <a:tabLst/>
+              <a:defRPr sz="1600" kern="1200">
+                <a:solidFill>
+                  <a:schemeClr val="tx1"/>
+                </a:solidFill>
+                <a:latin typeface="+mn-lt"/>
+                <a:ea typeface="+mn-ea"/>
+                <a:cs typeface="+mn-cs"/>
+              </a:defRPr>
+            </a:lvl3pPr>
+            <a:lvl4pPr marL="739775" indent="-222250" algn="l" defTabSz="914400" rtl="0" eaLnBrk="1" latinLnBrk="0" hangingPunct="1">
+              <a:lnSpc>
+                <a:spcPct val="100000"/>
+              </a:lnSpc>
+              <a:spcBef>
+                <a:spcPts val="800"/>
+              </a:spcBef>
+              <a:buClr>
+                <a:schemeClr val="accent1"/>
+              </a:buClr>
+              <a:buSzPct val="130000"/>
+              <a:buFont typeface="Arial" panose="020B0604020202020204" pitchFamily="34" charset="0"/>
+              <a:buChar char="•"/>
+              <a:defRPr lang="en-US" sz="1600" kern="1200" dirty="0" smtClean="0">
+                <a:solidFill>
+                  <a:schemeClr val="tx1"/>
+                </a:solidFill>
+                <a:latin typeface="+mn-lt"/>
+                <a:ea typeface="+mn-ea"/>
+                <a:cs typeface="+mn-cs"/>
+              </a:defRPr>
+            </a:lvl4pPr>
+            <a:lvl5pPr marL="914400" indent="-174625" algn="l" defTabSz="914400" rtl="0" eaLnBrk="1" latinLnBrk="0" hangingPunct="1">
+              <a:lnSpc>
+                <a:spcPct val="100000"/>
+              </a:lnSpc>
+              <a:spcBef>
+                <a:spcPts val="800"/>
+              </a:spcBef>
+              <a:buClr>
+                <a:schemeClr val="accent1"/>
+              </a:buClr>
+              <a:buFont typeface="Arial" panose="020B0604020202020204" pitchFamily="34" charset="0"/>
+              <a:buChar char="•"/>
+              <a:defRPr sz="1600" kern="1200">
+                <a:solidFill>
+                  <a:schemeClr val="tx1"/>
+                </a:solidFill>
+                <a:latin typeface="+mn-lt"/>
+                <a:ea typeface="+mn-ea"/>
+                <a:cs typeface="+mn-cs"/>
+              </a:defRPr>
+            </a:lvl5pPr>
+            <a:lvl6pPr marL="1089025" indent="-174625" algn="l" defTabSz="914400" rtl="0" eaLnBrk="1" latinLnBrk="0" hangingPunct="1">
+              <a:spcBef>
+                <a:spcPct val="20000"/>
+              </a:spcBef>
+              <a:buClr>
+                <a:schemeClr val="accent1"/>
+              </a:buClr>
+              <a:buFont typeface="Arial" panose="020B0604020202020204" pitchFamily="34" charset="0"/>
+              <a:buChar char="•"/>
+              <a:defRPr sz="1600" kern="1200">
+                <a:solidFill>
+                  <a:schemeClr val="tx1"/>
+                </a:solidFill>
+                <a:latin typeface="+mn-lt"/>
+                <a:ea typeface="+mn-ea"/>
+                <a:cs typeface="+mn-cs"/>
+              </a:defRPr>
+            </a:lvl6pPr>
+            <a:lvl7pPr marL="1255713" indent="-166688" algn="l" defTabSz="914400" rtl="0" eaLnBrk="1" latinLnBrk="0" hangingPunct="1">
+              <a:spcBef>
+                <a:spcPct val="20000"/>
+              </a:spcBef>
+              <a:buClr>
+                <a:schemeClr val="accent1"/>
+              </a:buClr>
+              <a:buFont typeface="Arial" panose="020B0604020202020204" pitchFamily="34" charset="0"/>
+              <a:buChar char="•"/>
+              <a:defRPr sz="1600" kern="1200">
+                <a:solidFill>
+                  <a:schemeClr val="tx1"/>
+                </a:solidFill>
+                <a:latin typeface="+mn-lt"/>
+                <a:ea typeface="+mn-ea"/>
+                <a:cs typeface="+mn-cs"/>
+              </a:defRPr>
+            </a:lvl7pPr>
+            <a:lvl8pPr marL="3429000" indent="-228600" algn="l" defTabSz="914400" rtl="0" eaLnBrk="1" latinLnBrk="0" hangingPunct="1">
+              <a:spcBef>
+                <a:spcPct val="20000"/>
+              </a:spcBef>
+              <a:buFont typeface="Arial" panose="020B0604020202020204" pitchFamily="34" charset="0"/>
+              <a:buChar char="•"/>
+              <a:defRPr sz="2000" kern="1200">
+                <a:solidFill>
+                  <a:schemeClr val="tx1"/>
+                </a:solidFill>
+                <a:latin typeface="+mn-lt"/>
+                <a:ea typeface="+mn-ea"/>
+                <a:cs typeface="+mn-cs"/>
+              </a:defRPr>
+            </a:lvl8pPr>
+            <a:lvl9pPr marL="3886200" indent="-228600" algn="l" defTabSz="914400" rtl="0" eaLnBrk="1" latinLnBrk="0" hangingPunct="1">
+              <a:spcBef>
+                <a:spcPct val="20000"/>
+              </a:spcBef>
+              <a:buFont typeface="Arial" panose="020B0604020202020204" pitchFamily="34" charset="0"/>
+              <a:buChar char="•"/>
+              <a:defRPr sz="2000" kern="1200">
+                <a:solidFill>
+                  <a:schemeClr val="tx1"/>
+                </a:solidFill>
+                <a:latin typeface="+mn-lt"/>
+                <a:ea typeface="+mn-ea"/>
+                <a:cs typeface="+mn-cs"/>
+              </a:defRPr>
+            </a:lvl9pPr>
+          </a:lstStyle>
+          <a:p>
+            <a:r>
+              <a:rPr lang="en-US" dirty="0"/>
+              <a:t>Training on GTX 1080 </a:t>
+            </a:r>
+            <a:r>
+              <a:rPr lang="en-US" dirty="0" err="1"/>
+              <a:t>Ti</a:t>
+            </a:r>
+            <a:endParaRPr lang="en-US" dirty="0"/>
+          </a:p>
+        </p:txBody>
+      </p:sp>
+      <p:pic>
+        <p:nvPicPr>
+          <p:cNvPr id="3" name="Picture 2">
+            <a:extLst>
+              <a:ext uri="{FF2B5EF4-FFF2-40B4-BE49-F238E27FC236}">
+                <a16:creationId xmlns:a16="http://schemas.microsoft.com/office/drawing/2014/main" id="{9271B5A7-7788-4B6E-8707-7BA22F5AF7F6}"/>
+              </a:ext>
+            </a:extLst>
+          </p:cNvPr>
+          <p:cNvPicPr>
+            <a:picLocks noChangeAspect="1"/>
+          </p:cNvPicPr>
+          <p:nvPr/>
+        </p:nvPicPr>
+        <p:blipFill>
+          <a:blip r:embed="rId3"/>
+          <a:stretch>
+            <a:fillRect/>
+          </a:stretch>
+        </p:blipFill>
+        <p:spPr>
+          <a:xfrm>
+            <a:off x="412749" y="2538412"/>
+            <a:ext cx="11363325" cy="1781175"/>
+          </a:xfrm>
+          <a:prstGeom prst="rect">
+            <a:avLst/>
+          </a:prstGeom>
+        </p:spPr>
+      </p:pic>
+    </p:spTree>
+    <p:extLst>
+      <p:ext uri="{BB962C8B-B14F-4D97-AF65-F5344CB8AC3E}">
+        <p14:creationId xmlns:p14="http://schemas.microsoft.com/office/powerpoint/2010/main" val="640992516"/>
+      </p:ext>
+    </p:extLst>
+  </p:cSld>
+  <p:clrMapOvr>
+    <a:masterClrMapping/>
+  </p:clrMapOvr>
+</p:sld>
+</file>
+
+<file path=ppt/slides/slide21.xml><?xml version="1.0" encoding="utf-8"?>
+<p:sld xmlns:a="http://schemas.openxmlformats.org/drawingml/2006/main" xmlns:r="http://schemas.openxmlformats.org/officeDocument/2006/relationships" xmlns:p="http://schemas.openxmlformats.org/presentationml/2006/main">
+  <p:cSld>
+    <p:spTree>
+      <p:nvGrpSpPr>
+        <p:cNvPr id="1" name=""/>
+        <p:cNvGrpSpPr/>
+        <p:nvPr/>
+      </p:nvGrpSpPr>
+      <p:grpSpPr>
+        <a:xfrm>
+          <a:off x="0" y="0"/>
+          <a:ext cx="0" cy="0"/>
+          <a:chOff x="0" y="0"/>
+          <a:chExt cx="0" cy="0"/>
+        </a:xfrm>
+      </p:grpSpPr>
+      <p:sp>
+        <p:nvSpPr>
           <p:cNvPr id="4" name="Content Placeholder 3"/>
           <p:cNvSpPr>
             <a:spLocks noGrp="1"/>
@@ -39272,7 +39665,7 @@
 </p:sld>
 </file>
 
-<file path=ppt/slides/slide21.xml><?xml version="1.0" encoding="utf-8"?>
+<file path=ppt/slides/slide22.xml><?xml version="1.0" encoding="utf-8"?>
 <p:sld xmlns:a="http://schemas.openxmlformats.org/drawingml/2006/main" xmlns:r="http://schemas.openxmlformats.org/officeDocument/2006/relationships" xmlns:p="http://schemas.openxmlformats.org/presentationml/2006/main">
   <p:cSld>
     <p:spTree>
@@ -39353,7 +39746,7 @@
 </p:sld>
 </file>
 
-<file path=ppt/slides/slide22.xml><?xml version="1.0" encoding="utf-8"?>
+<file path=ppt/slides/slide23.xml><?xml version="1.0" encoding="utf-8"?>
 <p:sld xmlns:a="http://schemas.openxmlformats.org/drawingml/2006/main" xmlns:r="http://schemas.openxmlformats.org/officeDocument/2006/relationships" xmlns:p="http://schemas.openxmlformats.org/presentationml/2006/main">
   <p:cSld>
     <p:spTree>
@@ -39560,7 +39953,7 @@
 </p:sld>
 </file>
 
-<file path=ppt/slides/slide23.xml><?xml version="1.0" encoding="utf-8"?>
+<file path=ppt/slides/slide24.xml><?xml version="1.0" encoding="utf-8"?>
 <p:sld xmlns:a="http://schemas.openxmlformats.org/drawingml/2006/main" xmlns:r="http://schemas.openxmlformats.org/officeDocument/2006/relationships" xmlns:p="http://schemas.openxmlformats.org/presentationml/2006/main">
   <p:cSld>
     <p:spTree>
@@ -39641,7 +40034,7 @@
 </p:sld>
 </file>
 
-<file path=ppt/slides/slide24.xml><?xml version="1.0" encoding="utf-8"?>
+<file path=ppt/slides/slide25.xml><?xml version="1.0" encoding="utf-8"?>
 <p:sld xmlns:a="http://schemas.openxmlformats.org/drawingml/2006/main" xmlns:r="http://schemas.openxmlformats.org/officeDocument/2006/relationships" xmlns:p="http://schemas.openxmlformats.org/presentationml/2006/main">
   <p:cSld>
     <p:spTree>
@@ -39779,7 +40172,7 @@
 </p:sld>
 </file>
 
-<file path=ppt/slides/slide25.xml><?xml version="1.0" encoding="utf-8"?>
+<file path=ppt/slides/slide26.xml><?xml version="1.0" encoding="utf-8"?>
 <p:sld xmlns:a="http://schemas.openxmlformats.org/drawingml/2006/main" xmlns:r="http://schemas.openxmlformats.org/officeDocument/2006/relationships" xmlns:p="http://schemas.openxmlformats.org/presentationml/2006/main">
   <p:cSld>
     <p:spTree>
@@ -39817,7 +40210,7 @@
 </p:sld>
 </file>
 
-<file path=ppt/slides/slide26.xml><?xml version="1.0" encoding="utf-8"?>
+<file path=ppt/slides/slide27.xml><?xml version="1.0" encoding="utf-8"?>
 <p:sld xmlns:a="http://schemas.openxmlformats.org/drawingml/2006/main" xmlns:r="http://schemas.openxmlformats.org/officeDocument/2006/relationships" xmlns:p="http://schemas.openxmlformats.org/presentationml/2006/main">
   <p:cSld>
     <p:spTree>
@@ -39960,7 +40353,7 @@
 </p:sld>
 </file>
 
-<file path=ppt/slides/slide27.xml><?xml version="1.0" encoding="utf-8"?>
+<file path=ppt/slides/slide28.xml><?xml version="1.0" encoding="utf-8"?>
 <p:sld xmlns:a="http://schemas.openxmlformats.org/drawingml/2006/main" xmlns:r="http://schemas.openxmlformats.org/officeDocument/2006/relationships" xmlns:p="http://schemas.openxmlformats.org/presentationml/2006/main">
   <p:cSld>
     <p:spTree>
@@ -40092,7 +40485,7 @@
 </p:sld>
 </file>
 
-<file path=ppt/slides/slide28.xml><?xml version="1.0" encoding="utf-8"?>
+<file path=ppt/slides/slide29.xml><?xml version="1.0" encoding="utf-8"?>
 <p:sld xmlns:a="http://schemas.openxmlformats.org/drawingml/2006/main" xmlns:r="http://schemas.openxmlformats.org/officeDocument/2006/relationships" xmlns:p="http://schemas.openxmlformats.org/presentationml/2006/main">
   <p:cSld>
     <p:spTree>
@@ -40173,7 +40566,88 @@
 </p:sld>
 </file>
 
-<file path=ppt/slides/slide29.xml><?xml version="1.0" encoding="utf-8"?>
+<file path=ppt/slides/slide3.xml><?xml version="1.0" encoding="utf-8"?>
+<p:sld xmlns:a="http://schemas.openxmlformats.org/drawingml/2006/main" xmlns:r="http://schemas.openxmlformats.org/officeDocument/2006/relationships" xmlns:p="http://schemas.openxmlformats.org/presentationml/2006/main">
+  <p:cSld>
+    <p:spTree>
+      <p:nvGrpSpPr>
+        <p:cNvPr id="1" name=""/>
+        <p:cNvGrpSpPr/>
+        <p:nvPr/>
+      </p:nvGrpSpPr>
+      <p:grpSpPr>
+        <a:xfrm>
+          <a:off x="0" y="0"/>
+          <a:ext cx="0" cy="0"/>
+          <a:chOff x="0" y="0"/>
+          <a:chExt cx="0" cy="0"/>
+        </a:xfrm>
+      </p:grpSpPr>
+      <p:sp>
+        <p:nvSpPr>
+          <p:cNvPr id="5" name="Text Placeholder 4"/>
+          <p:cNvSpPr>
+            <a:spLocks noGrp="1"/>
+          </p:cNvSpPr>
+          <p:nvPr>
+            <p:ph type="body" idx="1"/>
+          </p:nvPr>
+        </p:nvSpPr>
+        <p:spPr/>
+        <p:txBody>
+          <a:bodyPr/>
+          <a:lstStyle/>
+          <a:p>
+            <a:r>
+              <a:rPr lang="en-US" dirty="0"/>
+              <a:t>Does this solution consider a new problem and provide an original solution?</a:t>
+            </a:r>
+          </a:p>
+        </p:txBody>
+      </p:sp>
+      <p:sp>
+        <p:nvSpPr>
+          <p:cNvPr id="4" name="Title 3"/>
+          <p:cNvSpPr>
+            <a:spLocks noGrp="1"/>
+          </p:cNvSpPr>
+          <p:nvPr>
+            <p:ph type="title"/>
+          </p:nvPr>
+        </p:nvSpPr>
+        <p:spPr/>
+        <p:txBody>
+          <a:bodyPr/>
+          <a:lstStyle/>
+          <a:p>
+            <a:r>
+              <a:rPr lang="en-US" dirty="0"/>
+              <a:t>Creativity-</a:t>
+            </a:r>
+            <a:br>
+              <a:rPr lang="en-US" dirty="0"/>
+            </a:br>
+            <a:r>
+              <a:rPr lang="en-US" dirty="0"/>
+              <a:t>Originality</a:t>
+            </a:r>
+          </a:p>
+        </p:txBody>
+      </p:sp>
+    </p:spTree>
+    <p:extLst>
+      <p:ext uri="{BB962C8B-B14F-4D97-AF65-F5344CB8AC3E}">
+        <p14:creationId xmlns:p14="http://schemas.microsoft.com/office/powerpoint/2010/main" val="1164201168"/>
+      </p:ext>
+    </p:extLst>
+  </p:cSld>
+  <p:clrMapOvr>
+    <a:masterClrMapping/>
+  </p:clrMapOvr>
+</p:sld>
+</file>
+
+<file path=ppt/slides/slide30.xml><?xml version="1.0" encoding="utf-8"?>
 <p:sld xmlns:a="http://schemas.openxmlformats.org/drawingml/2006/main" xmlns:r="http://schemas.openxmlformats.org/officeDocument/2006/relationships" xmlns:p="http://schemas.openxmlformats.org/presentationml/2006/main">
   <p:cSld>
     <p:spTree>
@@ -40514,7 +40988,7 @@
 </p:sld>
 </file>
 
-<file path=ppt/slides/slide3.xml><?xml version="1.0" encoding="utf-8"?>
+<file path=ppt/slides/slide31.xml><?xml version="1.0" encoding="utf-8"?>
 <p:sld xmlns:a="http://schemas.openxmlformats.org/drawingml/2006/main" xmlns:r="http://schemas.openxmlformats.org/officeDocument/2006/relationships" xmlns:p="http://schemas.openxmlformats.org/presentationml/2006/main">
   <p:cSld>
     <p:spTree>
@@ -40548,7 +41022,7 @@
           <a:p>
             <a:r>
               <a:rPr lang="en-US" dirty="0"/>
-              <a:t>Does this solution consider a new problem and provide an original solution?</a:t>
+              <a:t>Does this solution introduce new technology, innovation,  and/or an innovative approach?</a:t>
             </a:r>
           </a:p>
         </p:txBody>
@@ -40577,87 +41051,6 @@
             </a:br>
             <a:r>
               <a:rPr lang="en-US" dirty="0"/>
-              <a:t>Originality</a:t>
-            </a:r>
-          </a:p>
-        </p:txBody>
-      </p:sp>
-    </p:spTree>
-    <p:extLst>
-      <p:ext uri="{BB962C8B-B14F-4D97-AF65-F5344CB8AC3E}">
-        <p14:creationId xmlns:p14="http://schemas.microsoft.com/office/powerpoint/2010/main" val="1164201168"/>
-      </p:ext>
-    </p:extLst>
-  </p:cSld>
-  <p:clrMapOvr>
-    <a:masterClrMapping/>
-  </p:clrMapOvr>
-</p:sld>
-</file>
-
-<file path=ppt/slides/slide30.xml><?xml version="1.0" encoding="utf-8"?>
-<p:sld xmlns:a="http://schemas.openxmlformats.org/drawingml/2006/main" xmlns:r="http://schemas.openxmlformats.org/officeDocument/2006/relationships" xmlns:p="http://schemas.openxmlformats.org/presentationml/2006/main">
-  <p:cSld>
-    <p:spTree>
-      <p:nvGrpSpPr>
-        <p:cNvPr id="1" name=""/>
-        <p:cNvGrpSpPr/>
-        <p:nvPr/>
-      </p:nvGrpSpPr>
-      <p:grpSpPr>
-        <a:xfrm>
-          <a:off x="0" y="0"/>
-          <a:ext cx="0" cy="0"/>
-          <a:chOff x="0" y="0"/>
-          <a:chExt cx="0" cy="0"/>
-        </a:xfrm>
-      </p:grpSpPr>
-      <p:sp>
-        <p:nvSpPr>
-          <p:cNvPr id="5" name="Text Placeholder 4"/>
-          <p:cNvSpPr>
-            <a:spLocks noGrp="1"/>
-          </p:cNvSpPr>
-          <p:nvPr>
-            <p:ph type="body" idx="1"/>
-          </p:nvPr>
-        </p:nvSpPr>
-        <p:spPr/>
-        <p:txBody>
-          <a:bodyPr/>
-          <a:lstStyle/>
-          <a:p>
-            <a:r>
-              <a:rPr lang="en-US" dirty="0"/>
-              <a:t>Does this solution introduce new technology, innovation,  and/or an innovative approach?</a:t>
-            </a:r>
-          </a:p>
-        </p:txBody>
-      </p:sp>
-      <p:sp>
-        <p:nvSpPr>
-          <p:cNvPr id="4" name="Title 3"/>
-          <p:cNvSpPr>
-            <a:spLocks noGrp="1"/>
-          </p:cNvSpPr>
-          <p:nvPr>
-            <p:ph type="title"/>
-          </p:nvPr>
-        </p:nvSpPr>
-        <p:spPr/>
-        <p:txBody>
-          <a:bodyPr/>
-          <a:lstStyle/>
-          <a:p>
-            <a:r>
-              <a:rPr lang="en-US" dirty="0"/>
-              <a:t>Creativity-</a:t>
-            </a:r>
-            <a:br>
-              <a:rPr lang="en-US" dirty="0"/>
-            </a:br>
-            <a:r>
-              <a:rPr lang="en-US" dirty="0"/>
               <a:t>Innovation</a:t>
             </a:r>
           </a:p>
@@ -40676,7 +41069,7 @@
 </p:sld>
 </file>
 
-<file path=ppt/slides/slide31.xml><?xml version="1.0" encoding="utf-8"?>
+<file path=ppt/slides/slide32.xml><?xml version="1.0" encoding="utf-8"?>
 <p:sld xmlns:a="http://schemas.openxmlformats.org/drawingml/2006/main" xmlns:r="http://schemas.openxmlformats.org/officeDocument/2006/relationships" xmlns:p="http://schemas.openxmlformats.org/presentationml/2006/main">
   <p:cSld>
     <p:spTree>
@@ -40850,7 +41243,7 @@
 </p:sld>
 </file>
 
-<file path=ppt/slides/slide32.xml><?xml version="1.0" encoding="utf-8"?>
+<file path=ppt/slides/slide33.xml><?xml version="1.0" encoding="utf-8"?>
 <p:sld xmlns:a="http://schemas.openxmlformats.org/drawingml/2006/main" xmlns:r="http://schemas.openxmlformats.org/officeDocument/2006/relationships" xmlns:p="http://schemas.openxmlformats.org/presentationml/2006/main">
   <p:cSld>
     <p:spTree>
@@ -41068,7 +41461,7 @@
 </p:sld>
 </file>
 
-<file path=ppt/slides/slide33.xml><?xml version="1.0" encoding="utf-8"?>
+<file path=ppt/slides/slide34.xml><?xml version="1.0" encoding="utf-8"?>
 <p:sld xmlns:a="http://schemas.openxmlformats.org/drawingml/2006/main" xmlns:r="http://schemas.openxmlformats.org/officeDocument/2006/relationships" xmlns:p="http://schemas.openxmlformats.org/presentationml/2006/main">
   <p:cSld>
     <p:spTree>
@@ -41149,7 +41542,7 @@
 </p:sld>
 </file>
 
-<file path=ppt/slides/slide34.xml><?xml version="1.0" encoding="utf-8"?>
+<file path=ppt/slides/slide35.xml><?xml version="1.0" encoding="utf-8"?>
 <p:sld xmlns:a="http://schemas.openxmlformats.org/drawingml/2006/main" xmlns:r="http://schemas.openxmlformats.org/officeDocument/2006/relationships" xmlns:p="http://schemas.openxmlformats.org/presentationml/2006/main">
   <p:cSld>
     <p:spTree>
@@ -41356,7 +41749,7 @@
 </p:sld>
 </file>
 
-<file path=ppt/slides/slide35.xml><?xml version="1.0" encoding="utf-8"?>
+<file path=ppt/slides/slide36.xml><?xml version="1.0" encoding="utf-8"?>
 <p:sld xmlns:a="http://schemas.openxmlformats.org/drawingml/2006/main" xmlns:r="http://schemas.openxmlformats.org/officeDocument/2006/relationships" xmlns:p="http://schemas.openxmlformats.org/presentationml/2006/main">
   <p:cSld>
     <p:spTree>
@@ -41437,7 +41830,7 @@
 </p:sld>
 </file>
 
-<file path=ppt/slides/slide36.xml><?xml version="1.0" encoding="utf-8"?>
+<file path=ppt/slides/slide37.xml><?xml version="1.0" encoding="utf-8"?>
 <p:sld xmlns:a="http://schemas.openxmlformats.org/drawingml/2006/main" xmlns:r="http://schemas.openxmlformats.org/officeDocument/2006/relationships" xmlns:p="http://schemas.openxmlformats.org/presentationml/2006/main">
   <p:cSld>
     <p:spTree>
@@ -41575,7 +41968,7 @@
 </p:sld>
 </file>
 
-<file path=ppt/slides/slide37.xml><?xml version="1.0" encoding="utf-8"?>
+<file path=ppt/slides/slide38.xml><?xml version="1.0" encoding="utf-8"?>
 <p:sld xmlns:a="http://schemas.openxmlformats.org/drawingml/2006/main" xmlns:r="http://schemas.openxmlformats.org/officeDocument/2006/relationships" xmlns:p="http://schemas.openxmlformats.org/presentationml/2006/main">
   <p:cSld>
     <p:spTree>
@@ -41613,7 +42006,7 @@
 </p:sld>
 </file>
 
-<file path=ppt/slides/slide38.xml><?xml version="1.0" encoding="utf-8"?>
+<file path=ppt/slides/slide39.xml><?xml version="1.0" encoding="utf-8"?>
 <p:sld xmlns:a="http://schemas.openxmlformats.org/drawingml/2006/main" xmlns:r="http://schemas.openxmlformats.org/officeDocument/2006/relationships" xmlns:p="http://schemas.openxmlformats.org/presentationml/2006/main">
   <p:cSld>
     <p:spTree>
@@ -42051,95 +42444,6 @@
     <p:extLst>
       <p:ext uri="{BB962C8B-B14F-4D97-AF65-F5344CB8AC3E}">
         <p14:creationId xmlns:p14="http://schemas.microsoft.com/office/powerpoint/2010/main" val="3210615204"/>
-      </p:ext>
-    </p:extLst>
-  </p:cSld>
-  <p:clrMapOvr>
-    <a:masterClrMapping/>
-  </p:clrMapOvr>
-</p:sld>
-</file>
-
-<file path=ppt/slides/slide39.xml><?xml version="1.0" encoding="utf-8"?>
-<p:sld xmlns:a="http://schemas.openxmlformats.org/drawingml/2006/main" xmlns:r="http://schemas.openxmlformats.org/officeDocument/2006/relationships" xmlns:p="http://schemas.openxmlformats.org/presentationml/2006/main">
-  <p:cSld>
-    <p:spTree>
-      <p:nvGrpSpPr>
-        <p:cNvPr id="1" name=""/>
-        <p:cNvGrpSpPr/>
-        <p:nvPr/>
-      </p:nvGrpSpPr>
-      <p:grpSpPr>
-        <a:xfrm>
-          <a:off x="0" y="0"/>
-          <a:ext cx="0" cy="0"/>
-          <a:chOff x="0" y="0"/>
-          <a:chExt cx="0" cy="0"/>
-        </a:xfrm>
-      </p:grpSpPr>
-      <p:sp>
-        <p:nvSpPr>
-          <p:cNvPr id="4" name="Content Placeholder 3"/>
-          <p:cNvSpPr>
-            <a:spLocks noGrp="1"/>
-          </p:cNvSpPr>
-          <p:nvPr>
-            <p:ph sz="quarter" idx="14"/>
-          </p:nvPr>
-        </p:nvSpPr>
-        <p:spPr/>
-        <p:txBody>
-          <a:bodyPr/>
-          <a:lstStyle/>
-          <a:p>
-            <a:r>
-              <a:rPr lang="en-US"/>
-              <a:t>Bulleted text level 1</a:t>
-            </a:r>
-          </a:p>
-          <a:p>
-            <a:pPr lvl="1"/>
-            <a:r>
-              <a:rPr lang="en-US"/>
-              <a:t>Bulleted text level 2</a:t>
-            </a:r>
-          </a:p>
-          <a:p>
-            <a:pPr lvl="2"/>
-            <a:r>
-              <a:rPr lang="en-US"/>
-              <a:t>Bulleted text level 3</a:t>
-            </a:r>
-            <a:endParaRPr lang="en-US" dirty="0"/>
-          </a:p>
-        </p:txBody>
-      </p:sp>
-      <p:sp>
-        <p:nvSpPr>
-          <p:cNvPr id="2" name="Title 1"/>
-          <p:cNvSpPr>
-            <a:spLocks noGrp="1"/>
-          </p:cNvSpPr>
-          <p:nvPr>
-            <p:ph type="title"/>
-          </p:nvPr>
-        </p:nvSpPr>
-        <p:spPr/>
-        <p:txBody>
-          <a:bodyPr/>
-          <a:lstStyle/>
-          <a:p>
-            <a:r>
-              <a:rPr lang="en-US" dirty="0"/>
-              <a:t>Simple bulleted text</a:t>
-            </a:r>
-          </a:p>
-        </p:txBody>
-      </p:sp>
-    </p:spTree>
-    <p:extLst>
-      <p:ext uri="{BB962C8B-B14F-4D97-AF65-F5344CB8AC3E}">
-        <p14:creationId xmlns:p14="http://schemas.microsoft.com/office/powerpoint/2010/main" val="1043913085"/>
       </p:ext>
     </p:extLst>
   </p:cSld>
@@ -42514,7 +42818,7 @@
             <a:spLocks noGrp="1"/>
           </p:cNvSpPr>
           <p:nvPr>
-            <p:ph sz="quarter" idx="18"/>
+            <p:ph sz="quarter" idx="14"/>
           </p:nvPr>
         </p:nvSpPr>
         <p:spPr/>
@@ -42523,105 +42827,24 @@
           <a:lstStyle/>
           <a:p>
             <a:r>
-              <a:rPr lang="en-US" dirty="0"/>
-              <a:t>Text level one for (header without bullet)</a:t>
+              <a:rPr lang="en-US"/>
+              <a:t>Bulleted text level 1</a:t>
             </a:r>
           </a:p>
           <a:p>
             <a:pPr lvl="1"/>
             <a:r>
-              <a:rPr lang="en-US" dirty="0"/>
-              <a:t>Press</a:t>
-            </a:r>
-            <a:r>
-              <a:rPr lang="en-US" b="1" dirty="0"/>
-              <a:t> Enter </a:t>
-            </a:r>
-            <a:r>
-              <a:rPr lang="en-US" dirty="0"/>
-              <a:t>then</a:t>
-            </a:r>
-            <a:r>
-              <a:rPr lang="en-US" b="1" dirty="0"/>
-              <a:t> Tab </a:t>
-            </a:r>
-            <a:r>
-              <a:rPr lang="en-US" dirty="0"/>
-              <a:t>and start typing for bulleted text</a:t>
-            </a:r>
-          </a:p>
-          <a:p>
-            <a:pPr lvl="1"/>
-            <a:r>
-              <a:rPr lang="en-US" dirty="0"/>
-              <a:t>Bulleted text (level two)</a:t>
+              <a:rPr lang="en-US"/>
+              <a:t>Bulleted text level 2</a:t>
             </a:r>
           </a:p>
           <a:p>
             <a:pPr lvl="2"/>
             <a:r>
-              <a:rPr lang="en-US" dirty="0"/>
-              <a:t>Press </a:t>
-            </a:r>
-            <a:r>
-              <a:rPr lang="en-US" b="1" dirty="0"/>
-              <a:t>Enter</a:t>
-            </a:r>
-            <a:r>
-              <a:rPr lang="en-US" dirty="0"/>
-              <a:t> then </a:t>
-            </a:r>
-            <a:r>
-              <a:rPr lang="en-US" b="1" dirty="0"/>
-              <a:t>Tab</a:t>
-            </a:r>
-            <a:r>
-              <a:rPr lang="en-US" dirty="0"/>
-              <a:t> for a sub-bullet (level three)</a:t>
-            </a:r>
-          </a:p>
-          <a:p>
-            <a:pPr lvl="2"/>
-            <a:r>
-              <a:rPr lang="en-US" dirty="0"/>
-              <a:t>Sub-bullet (level three)</a:t>
-            </a:r>
-          </a:p>
-          <a:p>
-            <a:r>
-              <a:rPr lang="en-US" dirty="0"/>
-              <a:t>Press Enter then Shift + Tab to return to level one for a new header</a:t>
-            </a:r>
-          </a:p>
-          <a:p>
-            <a:pPr lvl="1"/>
-            <a:r>
-              <a:rPr lang="en-US" dirty="0"/>
-              <a:t>Press </a:t>
-            </a:r>
-            <a:r>
-              <a:rPr lang="en-US" b="1" dirty="0"/>
-              <a:t>Enter</a:t>
-            </a:r>
-            <a:r>
-              <a:rPr lang="en-US" dirty="0"/>
-              <a:t> then </a:t>
-            </a:r>
-            <a:r>
-              <a:rPr lang="en-US" b="1" dirty="0"/>
-              <a:t>Tab</a:t>
-            </a:r>
-            <a:r>
-              <a:rPr lang="en-US" dirty="0"/>
-              <a:t> and start typing for bulleted text</a:t>
-            </a:r>
-          </a:p>
-          <a:p>
-            <a:pPr lvl="1"/>
-            <a:r>
-              <a:rPr lang="en-US" dirty="0"/>
-              <a:t>Bulleted text (level two)</a:t>
-            </a:r>
+              <a:rPr lang="en-US"/>
+              <a:t>Bulleted text level 3</a:t>
+            </a:r>
+            <a:endParaRPr lang="en-US" dirty="0"/>
           </a:p>
         </p:txBody>
       </p:sp>
@@ -42641,6 +42864,176 @@
           <a:lstStyle/>
           <a:p>
             <a:r>
+              <a:rPr lang="en-US" dirty="0"/>
+              <a:t>Simple bulleted text</a:t>
+            </a:r>
+          </a:p>
+        </p:txBody>
+      </p:sp>
+    </p:spTree>
+    <p:extLst>
+      <p:ext uri="{BB962C8B-B14F-4D97-AF65-F5344CB8AC3E}">
+        <p14:creationId xmlns:p14="http://schemas.microsoft.com/office/powerpoint/2010/main" val="1043913085"/>
+      </p:ext>
+    </p:extLst>
+  </p:cSld>
+  <p:clrMapOvr>
+    <a:masterClrMapping/>
+  </p:clrMapOvr>
+</p:sld>
+</file>
+
+<file path=ppt/slides/slide41.xml><?xml version="1.0" encoding="utf-8"?>
+<p:sld xmlns:a="http://schemas.openxmlformats.org/drawingml/2006/main" xmlns:r="http://schemas.openxmlformats.org/officeDocument/2006/relationships" xmlns:p="http://schemas.openxmlformats.org/presentationml/2006/main">
+  <p:cSld>
+    <p:spTree>
+      <p:nvGrpSpPr>
+        <p:cNvPr id="1" name=""/>
+        <p:cNvGrpSpPr/>
+        <p:nvPr/>
+      </p:nvGrpSpPr>
+      <p:grpSpPr>
+        <a:xfrm>
+          <a:off x="0" y="0"/>
+          <a:ext cx="0" cy="0"/>
+          <a:chOff x="0" y="0"/>
+          <a:chExt cx="0" cy="0"/>
+        </a:xfrm>
+      </p:grpSpPr>
+      <p:sp>
+        <p:nvSpPr>
+          <p:cNvPr id="4" name="Content Placeholder 3"/>
+          <p:cNvSpPr>
+            <a:spLocks noGrp="1"/>
+          </p:cNvSpPr>
+          <p:nvPr>
+            <p:ph sz="quarter" idx="18"/>
+          </p:nvPr>
+        </p:nvSpPr>
+        <p:spPr/>
+        <p:txBody>
+          <a:bodyPr/>
+          <a:lstStyle/>
+          <a:p>
+            <a:r>
+              <a:rPr lang="en-US" dirty="0"/>
+              <a:t>Text level one for (header without bullet)</a:t>
+            </a:r>
+          </a:p>
+          <a:p>
+            <a:pPr lvl="1"/>
+            <a:r>
+              <a:rPr lang="en-US" dirty="0"/>
+              <a:t>Press</a:t>
+            </a:r>
+            <a:r>
+              <a:rPr lang="en-US" b="1" dirty="0"/>
+              <a:t> Enter </a:t>
+            </a:r>
+            <a:r>
+              <a:rPr lang="en-US" dirty="0"/>
+              <a:t>then</a:t>
+            </a:r>
+            <a:r>
+              <a:rPr lang="en-US" b="1" dirty="0"/>
+              <a:t> Tab </a:t>
+            </a:r>
+            <a:r>
+              <a:rPr lang="en-US" dirty="0"/>
+              <a:t>and start typing for bulleted text</a:t>
+            </a:r>
+          </a:p>
+          <a:p>
+            <a:pPr lvl="1"/>
+            <a:r>
+              <a:rPr lang="en-US" dirty="0"/>
+              <a:t>Bulleted text (level two)</a:t>
+            </a:r>
+          </a:p>
+          <a:p>
+            <a:pPr lvl="2"/>
+            <a:r>
+              <a:rPr lang="en-US" dirty="0"/>
+              <a:t>Press </a:t>
+            </a:r>
+            <a:r>
+              <a:rPr lang="en-US" b="1" dirty="0"/>
+              <a:t>Enter</a:t>
+            </a:r>
+            <a:r>
+              <a:rPr lang="en-US" dirty="0"/>
+              <a:t> then </a:t>
+            </a:r>
+            <a:r>
+              <a:rPr lang="en-US" b="1" dirty="0"/>
+              <a:t>Tab</a:t>
+            </a:r>
+            <a:r>
+              <a:rPr lang="en-US" dirty="0"/>
+              <a:t> for a sub-bullet (level three)</a:t>
+            </a:r>
+          </a:p>
+          <a:p>
+            <a:pPr lvl="2"/>
+            <a:r>
+              <a:rPr lang="en-US" dirty="0"/>
+              <a:t>Sub-bullet (level three)</a:t>
+            </a:r>
+          </a:p>
+          <a:p>
+            <a:r>
+              <a:rPr lang="en-US" dirty="0"/>
+              <a:t>Press Enter then Shift + Tab to return to level one for a new header</a:t>
+            </a:r>
+          </a:p>
+          <a:p>
+            <a:pPr lvl="1"/>
+            <a:r>
+              <a:rPr lang="en-US" dirty="0"/>
+              <a:t>Press </a:t>
+            </a:r>
+            <a:r>
+              <a:rPr lang="en-US" b="1" dirty="0"/>
+              <a:t>Enter</a:t>
+            </a:r>
+            <a:r>
+              <a:rPr lang="en-US" dirty="0"/>
+              <a:t> then </a:t>
+            </a:r>
+            <a:r>
+              <a:rPr lang="en-US" b="1" dirty="0"/>
+              <a:t>Tab</a:t>
+            </a:r>
+            <a:r>
+              <a:rPr lang="en-US" dirty="0"/>
+              <a:t> and start typing for bulleted text</a:t>
+            </a:r>
+          </a:p>
+          <a:p>
+            <a:pPr lvl="1"/>
+            <a:r>
+              <a:rPr lang="en-US" dirty="0"/>
+              <a:t>Bulleted text (level two)</a:t>
+            </a:r>
+          </a:p>
+        </p:txBody>
+      </p:sp>
+      <p:sp>
+        <p:nvSpPr>
+          <p:cNvPr id="2" name="Title 1"/>
+          <p:cNvSpPr>
+            <a:spLocks noGrp="1"/>
+          </p:cNvSpPr>
+          <p:nvPr>
+            <p:ph type="title"/>
+          </p:nvPr>
+        </p:nvSpPr>
+        <p:spPr/>
+        <p:txBody>
+          <a:bodyPr/>
+          <a:lstStyle/>
+          <a:p>
+            <a:r>
               <a:rPr lang="en-US"/>
               <a:t>Bulleted text with headers</a:t>
             </a:r>
@@ -42661,7 +43054,7 @@
 </p:sld>
 </file>
 
-<file path=ppt/slides/slide41.xml><?xml version="1.0" encoding="utf-8"?>
+<file path=ppt/slides/slide42.xml><?xml version="1.0" encoding="utf-8"?>
 <p:sld xmlns:a="http://schemas.openxmlformats.org/drawingml/2006/main" xmlns:r="http://schemas.openxmlformats.org/officeDocument/2006/relationships" xmlns:p="http://schemas.openxmlformats.org/presentationml/2006/main">
   <p:cSld>
     <p:spTree>
@@ -42888,7 +43281,7 @@
 </p:sld>
 </file>
 
-<file path=ppt/slides/slide42.xml><?xml version="1.0" encoding="utf-8"?>
+<file path=ppt/slides/slide43.xml><?xml version="1.0" encoding="utf-8"?>
 <p:sld xmlns:a="http://schemas.openxmlformats.org/drawingml/2006/main" xmlns:r="http://schemas.openxmlformats.org/officeDocument/2006/relationships" xmlns:p="http://schemas.openxmlformats.org/presentationml/2006/main">
   <p:cSld>
     <p:spTree>
@@ -43122,7 +43515,7 @@
 </p:sld>
 </file>
 
-<file path=ppt/slides/slide43.xml><?xml version="1.0" encoding="utf-8"?>
+<file path=ppt/slides/slide44.xml><?xml version="1.0" encoding="utf-8"?>
 <p:sld xmlns:a="http://schemas.openxmlformats.org/drawingml/2006/main" xmlns:r="http://schemas.openxmlformats.org/officeDocument/2006/relationships" xmlns:p="http://schemas.openxmlformats.org/presentationml/2006/main">
   <p:cSld>
     <p:spTree>
@@ -43317,214 +43710,6 @@
     <p:extLst>
       <p:ext uri="{BB962C8B-B14F-4D97-AF65-F5344CB8AC3E}">
         <p14:creationId xmlns:p14="http://schemas.microsoft.com/office/powerpoint/2010/main" val="252991489"/>
-      </p:ext>
-    </p:extLst>
-  </p:cSld>
-  <p:clrMapOvr>
-    <a:masterClrMapping/>
-  </p:clrMapOvr>
-  <mc:AlternateContent xmlns:mc="http://schemas.openxmlformats.org/markup-compatibility/2006" xmlns:p14="http://schemas.microsoft.com/office/powerpoint/2010/main">
-    <mc:Choice Requires="p14">
-      <p:transition p14:dur="0"/>
-    </mc:Choice>
-    <mc:Fallback xmlns="">
-      <p:transition/>
-    </mc:Fallback>
-  </mc:AlternateContent>
-</p:sld>
-</file>
-
-<file path=ppt/slides/slide44.xml><?xml version="1.0" encoding="utf-8"?>
-<p:sld xmlns:a="http://schemas.openxmlformats.org/drawingml/2006/main" xmlns:r="http://schemas.openxmlformats.org/officeDocument/2006/relationships" xmlns:p="http://schemas.openxmlformats.org/presentationml/2006/main">
-  <p:cSld>
-    <p:spTree>
-      <p:nvGrpSpPr>
-        <p:cNvPr id="1" name=""/>
-        <p:cNvGrpSpPr/>
-        <p:nvPr/>
-      </p:nvGrpSpPr>
-      <p:grpSpPr>
-        <a:xfrm>
-          <a:off x="0" y="0"/>
-          <a:ext cx="0" cy="0"/>
-          <a:chOff x="0" y="0"/>
-          <a:chExt cx="0" cy="0"/>
-        </a:xfrm>
-      </p:grpSpPr>
-      <p:sp>
-        <p:nvSpPr>
-          <p:cNvPr id="5" name="Rectangle 4"/>
-          <p:cNvSpPr/>
-          <p:nvPr/>
-        </p:nvSpPr>
-        <p:spPr>
-          <a:xfrm>
-            <a:off x="3763299" y="1009650"/>
-            <a:ext cx="2493367" cy="525399"/>
-          </a:xfrm>
-          <a:prstGeom prst="rect">
-            <a:avLst/>
-          </a:prstGeom>
-          <a:noFill/>
-          <a:ln>
-            <a:noFill/>
-          </a:ln>
-        </p:spPr>
-        <p:style>
-          <a:lnRef idx="2">
-            <a:schemeClr val="accent1">
-              <a:shade val="50000"/>
-            </a:schemeClr>
-          </a:lnRef>
-          <a:fillRef idx="1">
-            <a:schemeClr val="accent1"/>
-          </a:fillRef>
-          <a:effectRef idx="0">
-            <a:schemeClr val="accent1"/>
-          </a:effectRef>
-          <a:fontRef idx="minor">
-            <a:schemeClr val="lt1"/>
-          </a:fontRef>
-        </p:style>
-        <p:txBody>
-          <a:bodyPr rtlCol="0" anchor="ctr"/>
-          <a:lstStyle/>
-          <a:p>
-            <a:pPr algn="ctr"/>
-            <a:endParaRPr lang="en-US"/>
-          </a:p>
-        </p:txBody>
-      </p:sp>
-      <p:sp>
-        <p:nvSpPr>
-          <p:cNvPr id="6" name="Title 5"/>
-          <p:cNvSpPr>
-            <a:spLocks noGrp="1"/>
-          </p:cNvSpPr>
-          <p:nvPr>
-            <p:ph type="title"/>
-          </p:nvPr>
-        </p:nvSpPr>
-        <p:spPr/>
-        <p:txBody>
-          <a:bodyPr/>
-          <a:lstStyle/>
-          <a:p>
-            <a:r>
-              <a:rPr lang="en-US" dirty="0"/>
-              <a:t>Stacked column chart</a:t>
-            </a:r>
-          </a:p>
-        </p:txBody>
-      </p:sp>
-      <p:graphicFrame>
-        <p:nvGraphicFramePr>
-          <p:cNvPr id="13" name="Content Placeholder 12"/>
-          <p:cNvGraphicFramePr>
-            <a:graphicFrameLocks noGrp="1"/>
-          </p:cNvGraphicFramePr>
-          <p:nvPr>
-            <p:ph sz="quarter" idx="10"/>
-            <p:extLst>
-              <p:ext uri="{D42A27DB-BD31-4B8C-83A1-F6EECF244321}">
-                <p14:modId xmlns:p14="http://schemas.microsoft.com/office/powerpoint/2010/main" val="963866488"/>
-              </p:ext>
-            </p:extLst>
-          </p:nvPr>
-        </p:nvGraphicFramePr>
-        <p:xfrm>
-          <a:off x="608013" y="1874838"/>
-          <a:ext cx="10972800" cy="4041775"/>
-        </p:xfrm>
-        <a:graphic>
-          <a:graphicData uri="http://schemas.openxmlformats.org/drawingml/2006/chart">
-            <c:chart xmlns:c="http://schemas.openxmlformats.org/drawingml/2006/chart" xmlns:r="http://schemas.openxmlformats.org/officeDocument/2006/relationships" r:id="rId3"/>
-          </a:graphicData>
-        </a:graphic>
-      </p:graphicFrame>
-      <p:sp>
-        <p:nvSpPr>
-          <p:cNvPr id="4" name="Text Placeholder 3"/>
-          <p:cNvSpPr>
-            <a:spLocks noGrp="1"/>
-          </p:cNvSpPr>
-          <p:nvPr>
-            <p:ph type="body" sz="quarter" idx="11"/>
-          </p:nvPr>
-        </p:nvSpPr>
-        <p:spPr/>
-        <p:txBody>
-          <a:bodyPr/>
-          <a:lstStyle/>
-          <a:p>
-            <a:r>
-              <a:rPr lang="en-US" dirty="0"/>
-              <a:t>Chart Title (units)</a:t>
-            </a:r>
-          </a:p>
-        </p:txBody>
-      </p:sp>
-      <p:sp>
-        <p:nvSpPr>
-          <p:cNvPr id="7" name="TextBox 6"/>
-          <p:cNvSpPr txBox="1"/>
-          <p:nvPr/>
-        </p:nvSpPr>
-        <p:spPr>
-          <a:xfrm>
-            <a:off x="0" y="6581001"/>
-            <a:ext cx="12188825" cy="276999"/>
-          </a:xfrm>
-          <a:prstGeom prst="rect">
-            <a:avLst/>
-          </a:prstGeom>
-        </p:spPr>
-        <p:txBody>
-          <a:bodyPr vert="horz" wrap="square" lIns="1143000" tIns="0" rIns="2286000" bIns="164592" rtlCol="0" anchor="b">
-            <a:spAutoFit/>
-          </a:bodyPr>
-          <a:lstStyle>
-            <a:defPPr>
-              <a:defRPr lang="en-US"/>
-            </a:defPPr>
-            <a:lvl1pPr marL="171450" indent="-171450">
-              <a:lnSpc>
-                <a:spcPct val="90000"/>
-              </a:lnSpc>
-              <a:spcBef>
-                <a:spcPts val="0"/>
-              </a:spcBef>
-              <a:buClr>
-                <a:schemeClr val="tx1">
-                  <a:lumMod val="65000"/>
-                  <a:lumOff val="35000"/>
-                </a:schemeClr>
-              </a:buClr>
-              <a:buSzPct val="100000"/>
-              <a:buFont typeface="+mj-lt"/>
-              <a:buAutoNum type="arabicPeriod"/>
-              <a:defRPr sz="800" b="0">
-                <a:solidFill>
-                  <a:schemeClr val="tx1">
-                    <a:lumMod val="65000"/>
-                    <a:lumOff val="35000"/>
-                  </a:schemeClr>
-                </a:solidFill>
-              </a:defRPr>
-            </a:lvl1pPr>
-          </a:lstStyle>
-          <a:p>
-            <a:r>
-              <a:rPr lang="en-US" dirty="0"/>
-              <a:t>Footnote</a:t>
-            </a:r>
-          </a:p>
-        </p:txBody>
-      </p:sp>
-    </p:spTree>
-    <p:extLst>
-      <p:ext uri="{BB962C8B-B14F-4D97-AF65-F5344CB8AC3E}">
-        <p14:creationId xmlns:p14="http://schemas.microsoft.com/office/powerpoint/2010/main" val="3696660920"/>
       </p:ext>
     </p:extLst>
   </p:cSld>
@@ -43619,10 +43804,9 @@
           <a:lstStyle/>
           <a:p>
             <a:r>
-              <a:rPr lang="en-US"/>
-              <a:t>Bar chart</a:t>
-            </a:r>
-            <a:endParaRPr lang="en-US" dirty="0"/>
+              <a:rPr lang="en-US" dirty="0"/>
+              <a:t>Stacked column chart</a:t>
+            </a:r>
           </a:p>
         </p:txBody>
       </p:sp>
@@ -43636,7 +43820,7 @@
             <p:ph sz="quarter" idx="10"/>
             <p:extLst>
               <p:ext uri="{D42A27DB-BD31-4B8C-83A1-F6EECF244321}">
-                <p14:modId xmlns:p14="http://schemas.microsoft.com/office/powerpoint/2010/main" val="3838136318"/>
+                <p14:modId xmlns:p14="http://schemas.microsoft.com/office/powerpoint/2010/main" val="963866488"/>
               </p:ext>
             </p:extLst>
           </p:nvPr>
@@ -43667,10 +43851,9 @@
           <a:lstStyle/>
           <a:p>
             <a:r>
-              <a:rPr lang="en-US"/>
+              <a:rPr lang="en-US" dirty="0"/>
               <a:t>Chart Title (units)</a:t>
             </a:r>
-            <a:endParaRPr lang="en-US" dirty="0"/>
           </a:p>
         </p:txBody>
       </p:sp>
@@ -43734,7 +43917,7 @@
     </p:spTree>
     <p:extLst>
       <p:ext uri="{BB962C8B-B14F-4D97-AF65-F5344CB8AC3E}">
-        <p14:creationId xmlns:p14="http://schemas.microsoft.com/office/powerpoint/2010/main" val="3356764008"/>
+        <p14:creationId xmlns:p14="http://schemas.microsoft.com/office/powerpoint/2010/main" val="3696660920"/>
       </p:ext>
     </p:extLst>
   </p:cSld>
@@ -43830,7 +44013,7 @@
           <a:p>
             <a:r>
               <a:rPr lang="en-US"/>
-              <a:t>Line chart</a:t>
+              <a:t>Bar chart</a:t>
             </a:r>
             <a:endParaRPr lang="en-US" dirty="0"/>
           </a:p>
@@ -43846,7 +44029,7 @@
             <p:ph sz="quarter" idx="10"/>
             <p:extLst>
               <p:ext uri="{D42A27DB-BD31-4B8C-83A1-F6EECF244321}">
-                <p14:modId xmlns:p14="http://schemas.microsoft.com/office/powerpoint/2010/main" val="3825954586"/>
+                <p14:modId xmlns:p14="http://schemas.microsoft.com/office/powerpoint/2010/main" val="3838136318"/>
               </p:ext>
             </p:extLst>
           </p:nvPr>
@@ -43944,7 +44127,7 @@
     </p:spTree>
     <p:extLst>
       <p:ext uri="{BB962C8B-B14F-4D97-AF65-F5344CB8AC3E}">
-        <p14:creationId xmlns:p14="http://schemas.microsoft.com/office/powerpoint/2010/main" val="1988294793"/>
+        <p14:creationId xmlns:p14="http://schemas.microsoft.com/office/powerpoint/2010/main" val="3356764008"/>
       </p:ext>
     </p:extLst>
   </p:cSld>
@@ -44040,7 +44223,7 @@
           <a:p>
             <a:r>
               <a:rPr lang="en-US"/>
-              <a:t>Doughnut chart</a:t>
+              <a:t>Line chart</a:t>
             </a:r>
             <a:endParaRPr lang="en-US" dirty="0"/>
           </a:p>
@@ -44048,7 +44231,7 @@
       </p:sp>
       <p:graphicFrame>
         <p:nvGraphicFramePr>
-          <p:cNvPr id="3" name="Content Placeholder 2"/>
+          <p:cNvPr id="13" name="Content Placeholder 12"/>
           <p:cNvGraphicFramePr>
             <a:graphicFrameLocks noGrp="1"/>
           </p:cNvGraphicFramePr>
@@ -44056,7 +44239,7 @@
             <p:ph sz="quarter" idx="10"/>
             <p:extLst>
               <p:ext uri="{D42A27DB-BD31-4B8C-83A1-F6EECF244321}">
-                <p14:modId xmlns:p14="http://schemas.microsoft.com/office/powerpoint/2010/main" val="3534526738"/>
+                <p14:modId xmlns:p14="http://schemas.microsoft.com/office/powerpoint/2010/main" val="3825954586"/>
               </p:ext>
             </p:extLst>
           </p:nvPr>
@@ -44090,8 +44273,6 @@
               <a:rPr lang="en-US"/>
               <a:t>Chart Title (units)</a:t>
             </a:r>
-          </a:p>
-          <a:p>
             <a:endParaRPr lang="en-US" dirty="0"/>
           </a:p>
         </p:txBody>
@@ -44099,59 +44280,6 @@
       <p:sp>
         <p:nvSpPr>
           <p:cNvPr id="7" name="TextBox 6"/>
-          <p:cNvSpPr txBox="1"/>
-          <p:nvPr/>
-        </p:nvSpPr>
-        <p:spPr>
-          <a:xfrm>
-            <a:off x="5427468" y="3732580"/>
-            <a:ext cx="1333891" cy="615553"/>
-          </a:xfrm>
-          <a:prstGeom prst="rect">
-            <a:avLst/>
-          </a:prstGeom>
-          <a:noFill/>
-        </p:spPr>
-        <p:txBody>
-          <a:bodyPr wrap="none" lIns="0" tIns="0" rIns="0" bIns="0" rtlCol="0">
-            <a:spAutoFit/>
-          </a:bodyPr>
-          <a:lstStyle/>
-          <a:p>
-            <a:pPr algn="ctr">
-              <a:spcBef>
-                <a:spcPts val="0"/>
-              </a:spcBef>
-            </a:pPr>
-            <a:r>
-              <a:rPr lang="en-US" sz="2000" b="1" dirty="0">
-                <a:solidFill>
-                  <a:schemeClr val="tx1"/>
-                </a:solidFill>
-              </a:rPr>
-              <a:t>Total Label</a:t>
-            </a:r>
-          </a:p>
-          <a:p>
-            <a:pPr algn="ctr">
-              <a:spcBef>
-                <a:spcPts val="0"/>
-              </a:spcBef>
-            </a:pPr>
-            <a:r>
-              <a:rPr lang="en-US" sz="2000" dirty="0">
-                <a:solidFill>
-                  <a:schemeClr val="tx1"/>
-                </a:solidFill>
-              </a:rPr>
-              <a:t>(if needed)</a:t>
-            </a:r>
-          </a:p>
-        </p:txBody>
-      </p:sp>
-      <p:sp>
-        <p:nvSpPr>
-          <p:cNvPr id="8" name="TextBox 7"/>
           <p:cNvSpPr txBox="1"/>
           <p:nvPr/>
         </p:nvSpPr>
@@ -44209,7 +44337,7 @@
     </p:spTree>
     <p:extLst>
       <p:ext uri="{BB962C8B-B14F-4D97-AF65-F5344CB8AC3E}">
-        <p14:creationId xmlns:p14="http://schemas.microsoft.com/office/powerpoint/2010/main" val="571768534"/>
+        <p14:creationId xmlns:p14="http://schemas.microsoft.com/office/powerpoint/2010/main" val="1988294793"/>
       </p:ext>
     </p:extLst>
   </p:cSld>
@@ -44305,6 +44433,271 @@
           <a:p>
             <a:r>
               <a:rPr lang="en-US"/>
+              <a:t>Doughnut chart</a:t>
+            </a:r>
+            <a:endParaRPr lang="en-US" dirty="0"/>
+          </a:p>
+        </p:txBody>
+      </p:sp>
+      <p:graphicFrame>
+        <p:nvGraphicFramePr>
+          <p:cNvPr id="3" name="Content Placeholder 2"/>
+          <p:cNvGraphicFramePr>
+            <a:graphicFrameLocks noGrp="1"/>
+          </p:cNvGraphicFramePr>
+          <p:nvPr>
+            <p:ph sz="quarter" idx="10"/>
+            <p:extLst>
+              <p:ext uri="{D42A27DB-BD31-4B8C-83A1-F6EECF244321}">
+                <p14:modId xmlns:p14="http://schemas.microsoft.com/office/powerpoint/2010/main" val="3534526738"/>
+              </p:ext>
+            </p:extLst>
+          </p:nvPr>
+        </p:nvGraphicFramePr>
+        <p:xfrm>
+          <a:off x="608013" y="1874838"/>
+          <a:ext cx="10972800" cy="4041775"/>
+        </p:xfrm>
+        <a:graphic>
+          <a:graphicData uri="http://schemas.openxmlformats.org/drawingml/2006/chart">
+            <c:chart xmlns:c="http://schemas.openxmlformats.org/drawingml/2006/chart" xmlns:r="http://schemas.openxmlformats.org/officeDocument/2006/relationships" r:id="rId3"/>
+          </a:graphicData>
+        </a:graphic>
+      </p:graphicFrame>
+      <p:sp>
+        <p:nvSpPr>
+          <p:cNvPr id="4" name="Text Placeholder 3"/>
+          <p:cNvSpPr>
+            <a:spLocks noGrp="1"/>
+          </p:cNvSpPr>
+          <p:nvPr>
+            <p:ph type="body" sz="quarter" idx="11"/>
+          </p:nvPr>
+        </p:nvSpPr>
+        <p:spPr/>
+        <p:txBody>
+          <a:bodyPr/>
+          <a:lstStyle/>
+          <a:p>
+            <a:r>
+              <a:rPr lang="en-US"/>
+              <a:t>Chart Title (units)</a:t>
+            </a:r>
+          </a:p>
+          <a:p>
+            <a:endParaRPr lang="en-US" dirty="0"/>
+          </a:p>
+        </p:txBody>
+      </p:sp>
+      <p:sp>
+        <p:nvSpPr>
+          <p:cNvPr id="7" name="TextBox 6"/>
+          <p:cNvSpPr txBox="1"/>
+          <p:nvPr/>
+        </p:nvSpPr>
+        <p:spPr>
+          <a:xfrm>
+            <a:off x="5427468" y="3732580"/>
+            <a:ext cx="1333891" cy="615553"/>
+          </a:xfrm>
+          <a:prstGeom prst="rect">
+            <a:avLst/>
+          </a:prstGeom>
+          <a:noFill/>
+        </p:spPr>
+        <p:txBody>
+          <a:bodyPr wrap="none" lIns="0" tIns="0" rIns="0" bIns="0" rtlCol="0">
+            <a:spAutoFit/>
+          </a:bodyPr>
+          <a:lstStyle/>
+          <a:p>
+            <a:pPr algn="ctr">
+              <a:spcBef>
+                <a:spcPts val="0"/>
+              </a:spcBef>
+            </a:pPr>
+            <a:r>
+              <a:rPr lang="en-US" sz="2000" b="1" dirty="0">
+                <a:solidFill>
+                  <a:schemeClr val="tx1"/>
+                </a:solidFill>
+              </a:rPr>
+              <a:t>Total Label</a:t>
+            </a:r>
+          </a:p>
+          <a:p>
+            <a:pPr algn="ctr">
+              <a:spcBef>
+                <a:spcPts val="0"/>
+              </a:spcBef>
+            </a:pPr>
+            <a:r>
+              <a:rPr lang="en-US" sz="2000" dirty="0">
+                <a:solidFill>
+                  <a:schemeClr val="tx1"/>
+                </a:solidFill>
+              </a:rPr>
+              <a:t>(if needed)</a:t>
+            </a:r>
+          </a:p>
+        </p:txBody>
+      </p:sp>
+      <p:sp>
+        <p:nvSpPr>
+          <p:cNvPr id="8" name="TextBox 7"/>
+          <p:cNvSpPr txBox="1"/>
+          <p:nvPr/>
+        </p:nvSpPr>
+        <p:spPr>
+          <a:xfrm>
+            <a:off x="0" y="6581001"/>
+            <a:ext cx="12188825" cy="276999"/>
+          </a:xfrm>
+          <a:prstGeom prst="rect">
+            <a:avLst/>
+          </a:prstGeom>
+        </p:spPr>
+        <p:txBody>
+          <a:bodyPr vert="horz" wrap="square" lIns="1143000" tIns="0" rIns="2286000" bIns="164592" rtlCol="0" anchor="b">
+            <a:spAutoFit/>
+          </a:bodyPr>
+          <a:lstStyle>
+            <a:defPPr>
+              <a:defRPr lang="en-US"/>
+            </a:defPPr>
+            <a:lvl1pPr marL="171450" indent="-171450">
+              <a:lnSpc>
+                <a:spcPct val="90000"/>
+              </a:lnSpc>
+              <a:spcBef>
+                <a:spcPts val="0"/>
+              </a:spcBef>
+              <a:buClr>
+                <a:schemeClr val="tx1">
+                  <a:lumMod val="65000"/>
+                  <a:lumOff val="35000"/>
+                </a:schemeClr>
+              </a:buClr>
+              <a:buSzPct val="100000"/>
+              <a:buFont typeface="+mj-lt"/>
+              <a:buAutoNum type="arabicPeriod"/>
+              <a:defRPr sz="800" b="0">
+                <a:solidFill>
+                  <a:schemeClr val="tx1">
+                    <a:lumMod val="65000"/>
+                    <a:lumOff val="35000"/>
+                  </a:schemeClr>
+                </a:solidFill>
+              </a:defRPr>
+            </a:lvl1pPr>
+          </a:lstStyle>
+          <a:p>
+            <a:r>
+              <a:rPr lang="en-US" dirty="0"/>
+              <a:t>Footnote</a:t>
+            </a:r>
+          </a:p>
+        </p:txBody>
+      </p:sp>
+    </p:spTree>
+    <p:extLst>
+      <p:ext uri="{BB962C8B-B14F-4D97-AF65-F5344CB8AC3E}">
+        <p14:creationId xmlns:p14="http://schemas.microsoft.com/office/powerpoint/2010/main" val="571768534"/>
+      </p:ext>
+    </p:extLst>
+  </p:cSld>
+  <p:clrMapOvr>
+    <a:masterClrMapping/>
+  </p:clrMapOvr>
+  <mc:AlternateContent xmlns:mc="http://schemas.openxmlformats.org/markup-compatibility/2006" xmlns:p14="http://schemas.microsoft.com/office/powerpoint/2010/main">
+    <mc:Choice Requires="p14">
+      <p:transition p14:dur="0"/>
+    </mc:Choice>
+    <mc:Fallback xmlns="">
+      <p:transition/>
+    </mc:Fallback>
+  </mc:AlternateContent>
+</p:sld>
+</file>
+
+<file path=ppt/slides/slide49.xml><?xml version="1.0" encoding="utf-8"?>
+<p:sld xmlns:a="http://schemas.openxmlformats.org/drawingml/2006/main" xmlns:r="http://schemas.openxmlformats.org/officeDocument/2006/relationships" xmlns:p="http://schemas.openxmlformats.org/presentationml/2006/main">
+  <p:cSld>
+    <p:spTree>
+      <p:nvGrpSpPr>
+        <p:cNvPr id="1" name=""/>
+        <p:cNvGrpSpPr/>
+        <p:nvPr/>
+      </p:nvGrpSpPr>
+      <p:grpSpPr>
+        <a:xfrm>
+          <a:off x="0" y="0"/>
+          <a:ext cx="0" cy="0"/>
+          <a:chOff x="0" y="0"/>
+          <a:chExt cx="0" cy="0"/>
+        </a:xfrm>
+      </p:grpSpPr>
+      <p:sp>
+        <p:nvSpPr>
+          <p:cNvPr id="5" name="Rectangle 4"/>
+          <p:cNvSpPr/>
+          <p:nvPr/>
+        </p:nvSpPr>
+        <p:spPr>
+          <a:xfrm>
+            <a:off x="3763299" y="1009650"/>
+            <a:ext cx="2493367" cy="525399"/>
+          </a:xfrm>
+          <a:prstGeom prst="rect">
+            <a:avLst/>
+          </a:prstGeom>
+          <a:noFill/>
+          <a:ln>
+            <a:noFill/>
+          </a:ln>
+        </p:spPr>
+        <p:style>
+          <a:lnRef idx="2">
+            <a:schemeClr val="accent1">
+              <a:shade val="50000"/>
+            </a:schemeClr>
+          </a:lnRef>
+          <a:fillRef idx="1">
+            <a:schemeClr val="accent1"/>
+          </a:fillRef>
+          <a:effectRef idx="0">
+            <a:schemeClr val="accent1"/>
+          </a:effectRef>
+          <a:fontRef idx="minor">
+            <a:schemeClr val="lt1"/>
+          </a:fontRef>
+        </p:style>
+        <p:txBody>
+          <a:bodyPr rtlCol="0" anchor="ctr"/>
+          <a:lstStyle/>
+          <a:p>
+            <a:pPr algn="ctr"/>
+            <a:endParaRPr lang="en-US"/>
+          </a:p>
+        </p:txBody>
+      </p:sp>
+      <p:sp>
+        <p:nvSpPr>
+          <p:cNvPr id="6" name="Title 5"/>
+          <p:cNvSpPr>
+            <a:spLocks noGrp="1"/>
+          </p:cNvSpPr>
+          <p:nvPr>
+            <p:ph type="title"/>
+          </p:nvPr>
+        </p:nvSpPr>
+        <p:spPr/>
+        <p:txBody>
+          <a:bodyPr/>
+          <a:lstStyle/>
+          <a:p>
+            <a:r>
+              <a:rPr lang="en-US"/>
               <a:t>Layout with two charts</a:t>
             </a:r>
             <a:endParaRPr lang="en-US" dirty="0"/>
@@ -44551,7 +44944,88 @@
 </p:sld>
 </file>
 
-<file path=ppt/slides/slide49.xml><?xml version="1.0" encoding="utf-8"?>
+<file path=ppt/slides/slide5.xml><?xml version="1.0" encoding="utf-8"?>
+<p:sld xmlns:a="http://schemas.openxmlformats.org/drawingml/2006/main" xmlns:r="http://schemas.openxmlformats.org/officeDocument/2006/relationships" xmlns:p="http://schemas.openxmlformats.org/presentationml/2006/main">
+  <p:cSld>
+    <p:spTree>
+      <p:nvGrpSpPr>
+        <p:cNvPr id="1" name=""/>
+        <p:cNvGrpSpPr/>
+        <p:nvPr/>
+      </p:nvGrpSpPr>
+      <p:grpSpPr>
+        <a:xfrm>
+          <a:off x="0" y="0"/>
+          <a:ext cx="0" cy="0"/>
+          <a:chOff x="0" y="0"/>
+          <a:chExt cx="0" cy="0"/>
+        </a:xfrm>
+      </p:grpSpPr>
+      <p:sp>
+        <p:nvSpPr>
+          <p:cNvPr id="5" name="Text Placeholder 4"/>
+          <p:cNvSpPr>
+            <a:spLocks noGrp="1"/>
+          </p:cNvSpPr>
+          <p:nvPr>
+            <p:ph type="body" idx="1"/>
+          </p:nvPr>
+        </p:nvSpPr>
+        <p:spPr/>
+        <p:txBody>
+          <a:bodyPr/>
+          <a:lstStyle/>
+          <a:p>
+            <a:r>
+              <a:rPr lang="en-US" dirty="0"/>
+              <a:t>Does this solution introduce new technology, innovation,  and/or an innovative approach?</a:t>
+            </a:r>
+          </a:p>
+        </p:txBody>
+      </p:sp>
+      <p:sp>
+        <p:nvSpPr>
+          <p:cNvPr id="4" name="Title 3"/>
+          <p:cNvSpPr>
+            <a:spLocks noGrp="1"/>
+          </p:cNvSpPr>
+          <p:nvPr>
+            <p:ph type="title"/>
+          </p:nvPr>
+        </p:nvSpPr>
+        <p:spPr/>
+        <p:txBody>
+          <a:bodyPr/>
+          <a:lstStyle/>
+          <a:p>
+            <a:r>
+              <a:rPr lang="en-US" dirty="0"/>
+              <a:t>Creativity-</a:t>
+            </a:r>
+            <a:br>
+              <a:rPr lang="en-US" dirty="0"/>
+            </a:br>
+            <a:r>
+              <a:rPr lang="en-US" dirty="0"/>
+              <a:t>Innovation</a:t>
+            </a:r>
+          </a:p>
+        </p:txBody>
+      </p:sp>
+    </p:spTree>
+    <p:extLst>
+      <p:ext uri="{BB962C8B-B14F-4D97-AF65-F5344CB8AC3E}">
+        <p14:creationId xmlns:p14="http://schemas.microsoft.com/office/powerpoint/2010/main" val="5508842"/>
+      </p:ext>
+    </p:extLst>
+  </p:cSld>
+  <p:clrMapOvr>
+    <a:masterClrMapping/>
+  </p:clrMapOvr>
+</p:sld>
+</file>
+
+<file path=ppt/slides/slide50.xml><?xml version="1.0" encoding="utf-8"?>
 <p:sld xmlns:a="http://schemas.openxmlformats.org/drawingml/2006/main" xmlns:r="http://schemas.openxmlformats.org/officeDocument/2006/relationships" xmlns:p="http://schemas.openxmlformats.org/presentationml/2006/main">
   <p:cSld>
     <p:spTree>
@@ -45405,88 +45879,7 @@
 </p:sld>
 </file>
 
-<file path=ppt/slides/slide5.xml><?xml version="1.0" encoding="utf-8"?>
-<p:sld xmlns:a="http://schemas.openxmlformats.org/drawingml/2006/main" xmlns:r="http://schemas.openxmlformats.org/officeDocument/2006/relationships" xmlns:p="http://schemas.openxmlformats.org/presentationml/2006/main">
-  <p:cSld>
-    <p:spTree>
-      <p:nvGrpSpPr>
-        <p:cNvPr id="1" name=""/>
-        <p:cNvGrpSpPr/>
-        <p:nvPr/>
-      </p:nvGrpSpPr>
-      <p:grpSpPr>
-        <a:xfrm>
-          <a:off x="0" y="0"/>
-          <a:ext cx="0" cy="0"/>
-          <a:chOff x="0" y="0"/>
-          <a:chExt cx="0" cy="0"/>
-        </a:xfrm>
-      </p:grpSpPr>
-      <p:sp>
-        <p:nvSpPr>
-          <p:cNvPr id="5" name="Text Placeholder 4"/>
-          <p:cNvSpPr>
-            <a:spLocks noGrp="1"/>
-          </p:cNvSpPr>
-          <p:nvPr>
-            <p:ph type="body" idx="1"/>
-          </p:nvPr>
-        </p:nvSpPr>
-        <p:spPr/>
-        <p:txBody>
-          <a:bodyPr/>
-          <a:lstStyle/>
-          <a:p>
-            <a:r>
-              <a:rPr lang="en-US" dirty="0"/>
-              <a:t>Does this solution introduce new technology, innovation,  and/or an innovative approach?</a:t>
-            </a:r>
-          </a:p>
-        </p:txBody>
-      </p:sp>
-      <p:sp>
-        <p:nvSpPr>
-          <p:cNvPr id="4" name="Title 3"/>
-          <p:cNvSpPr>
-            <a:spLocks noGrp="1"/>
-          </p:cNvSpPr>
-          <p:nvPr>
-            <p:ph type="title"/>
-          </p:nvPr>
-        </p:nvSpPr>
-        <p:spPr/>
-        <p:txBody>
-          <a:bodyPr/>
-          <a:lstStyle/>
-          <a:p>
-            <a:r>
-              <a:rPr lang="en-US" dirty="0"/>
-              <a:t>Creativity-</a:t>
-            </a:r>
-            <a:br>
-              <a:rPr lang="en-US" dirty="0"/>
-            </a:br>
-            <a:r>
-              <a:rPr lang="en-US" dirty="0"/>
-              <a:t>Innovation</a:t>
-            </a:r>
-          </a:p>
-        </p:txBody>
-      </p:sp>
-    </p:spTree>
-    <p:extLst>
-      <p:ext uri="{BB962C8B-B14F-4D97-AF65-F5344CB8AC3E}">
-        <p14:creationId xmlns:p14="http://schemas.microsoft.com/office/powerpoint/2010/main" val="5508842"/>
-      </p:ext>
-    </p:extLst>
-  </p:cSld>
-  <p:clrMapOvr>
-    <a:masterClrMapping/>
-  </p:clrMapOvr>
-</p:sld>
-</file>
-
-<file path=ppt/slides/slide50.xml><?xml version="1.0" encoding="utf-8"?>
+<file path=ppt/slides/slide51.xml><?xml version="1.0" encoding="utf-8"?>
 <p:sld xmlns:a="http://schemas.openxmlformats.org/drawingml/2006/main" xmlns:r="http://schemas.openxmlformats.org/officeDocument/2006/relationships" xmlns:p="http://schemas.openxmlformats.org/presentationml/2006/main">
   <p:cSld>
     <p:spTree>
@@ -46094,7 +46487,7 @@
 </p:sld>
 </file>
 
-<file path=ppt/slides/slide51.xml><?xml version="1.0" encoding="utf-8"?>
+<file path=ppt/slides/slide52.xml><?xml version="1.0" encoding="utf-8"?>
 <p:sld xmlns:a="http://schemas.openxmlformats.org/drawingml/2006/main" xmlns:r="http://schemas.openxmlformats.org/officeDocument/2006/relationships" xmlns:p="http://schemas.openxmlformats.org/presentationml/2006/main">
   <p:cSld>
     <p:spTree>
@@ -46791,7 +47184,7 @@
 </p:sld>
 </file>
 
-<file path=ppt/slides/slide52.xml><?xml version="1.0" encoding="utf-8"?>
+<file path=ppt/slides/slide53.xml><?xml version="1.0" encoding="utf-8"?>
 <p:sld xmlns:a="http://schemas.openxmlformats.org/drawingml/2006/main" xmlns:r="http://schemas.openxmlformats.org/officeDocument/2006/relationships" xmlns:p="http://schemas.openxmlformats.org/presentationml/2006/main">
   <p:cSld>
     <p:spTree>
@@ -47529,7 +47922,7 @@
 </p:sld>
 </file>
 
-<file path=ppt/slides/slide53.xml><?xml version="1.0" encoding="utf-8"?>
+<file path=ppt/slides/slide54.xml><?xml version="1.0" encoding="utf-8"?>
 <p:sld xmlns:a="http://schemas.openxmlformats.org/drawingml/2006/main" xmlns:r="http://schemas.openxmlformats.org/officeDocument/2006/relationships" xmlns:p="http://schemas.openxmlformats.org/presentationml/2006/main">
   <p:cSld>
     <p:spTree>
@@ -49402,7 +49795,7 @@
 </p:sld>
 </file>
 
-<file path=ppt/slides/slide54.xml><?xml version="1.0" encoding="utf-8"?>
+<file path=ppt/slides/slide55.xml><?xml version="1.0" encoding="utf-8"?>
 <p:sld xmlns:a="http://schemas.openxmlformats.org/drawingml/2006/main" xmlns:r="http://schemas.openxmlformats.org/officeDocument/2006/relationships" xmlns:p="http://schemas.openxmlformats.org/presentationml/2006/main">
   <p:cSld>
     <p:spTree>
@@ -50323,7 +50716,7 @@
 </p:sld>
 </file>
 
-<file path=ppt/slides/slide55.xml><?xml version="1.0" encoding="utf-8"?>
+<file path=ppt/slides/slide56.xml><?xml version="1.0" encoding="utf-8"?>
 <p:sld xmlns:a="http://schemas.openxmlformats.org/drawingml/2006/main" xmlns:r="http://schemas.openxmlformats.org/officeDocument/2006/relationships" xmlns:p="http://schemas.openxmlformats.org/presentationml/2006/main">
   <p:cSld>
     <p:spTree>
@@ -51488,7 +51881,7 @@
 </p:sld>
 </file>
 
-<file path=ppt/slides/slide56.xml><?xml version="1.0" encoding="utf-8"?>
+<file path=ppt/slides/slide57.xml><?xml version="1.0" encoding="utf-8"?>
 <p:sld xmlns:a="http://schemas.openxmlformats.org/drawingml/2006/main" xmlns:r="http://schemas.openxmlformats.org/officeDocument/2006/relationships" xmlns:p="http://schemas.openxmlformats.org/presentationml/2006/main">
   <p:cSld>
     <p:spTree>
@@ -52773,7 +53166,7 @@
 </p:sld>
 </file>
 
-<file path=ppt/slides/slide57.xml><?xml version="1.0" encoding="utf-8"?>
+<file path=ppt/slides/slide58.xml><?xml version="1.0" encoding="utf-8"?>
 <p:sld xmlns:a="http://schemas.openxmlformats.org/drawingml/2006/main" xmlns:r="http://schemas.openxmlformats.org/officeDocument/2006/relationships" xmlns:p="http://schemas.openxmlformats.org/presentationml/2006/main">
   <p:cSld>
     <p:spTree>
@@ -54432,26 +54825,6 @@
 </file>
 
 <file path=customXml/item1.xml><?xml version="1.0" encoding="utf-8"?>
-<VariableList UniqueId="9c02b646-8051-4833-868c-6392dd609614" Name="Computed" ContentType="XML" MajorVersion="0" MinorVersion="1" isLocalCopy="False" IsBaseObject="False" DataSourceId="12e7f57f-cf8d-436b-8bff-e265f3d15dba" DataSourceMajorVersion="0" DataSourceMinorVersion="1"/>
-</file>
-
-<file path=customXml/item10.xml><?xml version="1.0" encoding="utf-8"?>
-<VariableListDefinition name="Computed" displayName="Computed" id="9c02b646-8051-4833-868c-6392dd609614" isdomainofvalue="False" dataSourceId="12e7f57f-cf8d-436b-8bff-e265f3d15dba"/>
-</file>
-
-<file path=customXml/item2.xml><?xml version="1.0" encoding="utf-8"?>
-<VariableList UniqueId="86e91f9a-9cab-4aa8-acc9-91ee5e69c5b3" Name="AD_HOC" ContentType="XML" MajorVersion="0" MinorVersion="1" isLocalCopy="False" IsBaseObject="False" DataSourceId="bc68e8ec-a0ef-4be3-96fb-ebb0b0bf13cb" DataSourceMajorVersion="0" DataSourceMinorVersion="1"/>
-</file>
-
-<file path=customXml/item3.xml><?xml version="1.0" encoding="utf-8"?>
-<VariableListDefinition name="System" displayName="System" id="30e99a42-d34a-4acf-be1d-8248f4b41485" isdomainofvalue="False" dataSourceId="a36545b6-3dc7-4f41-97ae-57bff36d815e"/>
-</file>
-
-<file path=customXml/item4.xml><?xml version="1.0" encoding="utf-8"?>
-<AllExternalAdhocVariableMappings/>
-</file>
-
-<file path=customXml/item5.xml><?xml version="1.0" encoding="utf-8"?>
 <p:properties xmlns:p="http://schemas.microsoft.com/office/2006/metadata/properties" xmlns:xsi="http://www.w3.org/2001/XMLSchema-instance" xmlns:pc="http://schemas.microsoft.com/office/infopath/2007/PartnerControls">
   <documentManagement>
     <ArticlePageURL xmlns="bc98ed3b-c7c0-43ae-88fe-30007eba95ca">http://firstdatatoday.1dc.com/Reference-Library/Pages/templates.aspx</ArticlePageURL>
@@ -54475,20 +54848,11 @@
 </p:properties>
 </file>
 
-<file path=customXml/item6.xml><?xml version="1.0" encoding="utf-8"?>
-<VariableListDefinition name="AD_HOC" displayName="AD_HOC" id="86e91f9a-9cab-4aa8-acc9-91ee5e69c5b3" isdomainofvalue="False" dataSourceId="bc68e8ec-a0ef-4be3-96fb-ebb0b0bf13cb"/>
+<file path=customXml/item10.xml><?xml version="1.0" encoding="utf-8"?>
+<VariableList UniqueId="86e91f9a-9cab-4aa8-acc9-91ee5e69c5b3" Name="AD_HOC" ContentType="XML" MajorVersion="0" MinorVersion="1" isLocalCopy="False" IsBaseObject="False" DataSourceId="bc68e8ec-a0ef-4be3-96fb-ebb0b0bf13cb" DataSourceMajorVersion="0" DataSourceMinorVersion="1"/>
 </file>
 
-<file path=customXml/item7.xml><?xml version="1.0" encoding="utf-8"?>
-<?mso-contentType ?>
-<FormTemplates xmlns="http://schemas.microsoft.com/sharepoint/v3/contenttype/forms">
-  <Display>DocumentLibraryForm</Display>
-  <Edit>DocumentLibraryForm</Edit>
-  <New>DocumentLibraryForm</New>
-</FormTemplates>
-</file>
-
-<file path=customXml/item8.xml><?xml version="1.0" encoding="utf-8"?>
+<file path=customXml/item2.xml><?xml version="1.0" encoding="utf-8"?>
 <ct:contentTypeSchema xmlns:ct="http://schemas.microsoft.com/office/2006/metadata/contentType" xmlns:ma="http://schemas.microsoft.com/office/2006/metadata/properties/metaAttributes" ct:_="" ma:_="" ma:contentTypeName="Document" ma:contentTypeID="0x010100533BFA44A9628C4384A37EEAABB3E226" ma:contentTypeVersion="5" ma:contentTypeDescription="Create a new document." ma:contentTypeScope="" ma:versionID="196765d2aca787cb48dada03351dfb72">
   <xsd:schema xmlns:xsd="http://www.w3.org/2001/XMLSchema" xmlns:xs="http://www.w3.org/2001/XMLSchema" xmlns:p="http://schemas.microsoft.com/office/2006/metadata/properties" xmlns:ns2="bc98ed3b-c7c0-43ae-88fe-30007eba95ca" targetNamespace="http://schemas.microsoft.com/office/2006/metadata/properties" ma:root="true" ma:fieldsID="4e548c9052cd779da9b7262b99b406b2" ns2:_="">
     <xsd:import namespace="bc98ed3b-c7c0-43ae-88fe-30007eba95ca"/>
@@ -54668,41 +55032,40 @@
 </ct:contentTypeSchema>
 </file>
 
-<file path=customXml/item9.xml><?xml version="1.0" encoding="utf-8"?>
+<file path=customXml/item3.xml><?xml version="1.0" encoding="utf-8"?>
+<VariableListDefinition name="System" displayName="System" id="30e99a42-d34a-4acf-be1d-8248f4b41485" isdomainofvalue="False" dataSourceId="a36545b6-3dc7-4f41-97ae-57bff36d815e"/>
+</file>
+
+<file path=customXml/item4.xml><?xml version="1.0" encoding="utf-8"?>
+<VariableList UniqueId="9c02b646-8051-4833-868c-6392dd609614" Name="Computed" ContentType="XML" MajorVersion="0" MinorVersion="1" isLocalCopy="False" IsBaseObject="False" DataSourceId="12e7f57f-cf8d-436b-8bff-e265f3d15dba" DataSourceMajorVersion="0" DataSourceMinorVersion="1"/>
+</file>
+
+<file path=customXml/item5.xml><?xml version="1.0" encoding="utf-8"?>
+<VariableListDefinition name="AD_HOC" displayName="AD_HOC" id="86e91f9a-9cab-4aa8-acc9-91ee5e69c5b3" isdomainofvalue="False" dataSourceId="bc68e8ec-a0ef-4be3-96fb-ebb0b0bf13cb"/>
+</file>
+
+<file path=customXml/item6.xml><?xml version="1.0" encoding="utf-8"?>
+<VariableListDefinition name="Computed" displayName="Computed" id="9c02b646-8051-4833-868c-6392dd609614" isdomainofvalue="False" dataSourceId="12e7f57f-cf8d-436b-8bff-e265f3d15dba"/>
+</file>
+
+<file path=customXml/item7.xml><?xml version="1.0" encoding="utf-8"?>
+<AllExternalAdhocVariableMappings/>
+</file>
+
+<file path=customXml/item8.xml><?xml version="1.0" encoding="utf-8"?>
 <VariableList UniqueId="30e99a42-d34a-4acf-be1d-8248f4b41485" Name="System" ContentType="XML" MajorVersion="0" MinorVersion="1" isLocalCopy="False" IsBaseObject="False" DataSourceId="a36545b6-3dc7-4f41-97ae-57bff36d815e" DataSourceMajorVersion="0" DataSourceMinorVersion="1"/>
 </file>
 
-<file path=customXml/itemProps1.xml><?xml version="1.0" encoding="utf-8"?>
-<ds:datastoreItem xmlns:ds="http://schemas.openxmlformats.org/officeDocument/2006/customXml" ds:itemID="{C76FCBFA-93F8-4888-B22E-083EB5A5072E}">
-  <ds:schemaRefs/>
-</ds:datastoreItem>
+<file path=customXml/item9.xml><?xml version="1.0" encoding="utf-8"?>
+<?mso-contentType ?>
+<FormTemplates xmlns="http://schemas.microsoft.com/sharepoint/v3/contenttype/forms">
+  <Display>DocumentLibraryForm</Display>
+  <Edit>DocumentLibraryForm</Edit>
+  <New>DocumentLibraryForm</New>
+</FormTemplates>
 </file>
 
-<file path=customXml/itemProps10.xml><?xml version="1.0" encoding="utf-8"?>
-<ds:datastoreItem xmlns:ds="http://schemas.openxmlformats.org/officeDocument/2006/customXml" ds:itemID="{0ED8C23E-3FD3-4629-87F5-2C00946894C3}">
-  <ds:schemaRefs/>
-</ds:datastoreItem>
-</file>
-
-<file path=customXml/itemProps2.xml><?xml version="1.0" encoding="utf-8"?>
-<ds:datastoreItem xmlns:ds="http://schemas.openxmlformats.org/officeDocument/2006/customXml" ds:itemID="{71E634BC-9830-4EE8-BC26-78091991C023}">
-  <ds:schemaRefs/>
-</ds:datastoreItem>
-</file>
-
-<file path=customXml/itemProps3.xml><?xml version="1.0" encoding="utf-8"?>
-<ds:datastoreItem xmlns:ds="http://schemas.openxmlformats.org/officeDocument/2006/customXml" ds:itemID="{1AD1E4E2-8CE5-4454-A706-5B2B617F4C99}">
-  <ds:schemaRefs/>
-</ds:datastoreItem>
-</file>
-
-<file path=customXml/itemProps4.xml><?xml version="1.0" encoding="utf-8"?>
-<ds:datastoreItem xmlns:ds="http://schemas.openxmlformats.org/officeDocument/2006/customXml" ds:itemID="{B7364230-FBAF-4210-87E9-B46C6E2C5E27}">
-  <ds:schemaRefs/>
-</ds:datastoreItem>
-</file>
-
-<file path=customXml/itemProps5.xml><?xml version="1.0" encoding="utf-8"?>
+<file path=customXml/itemProps1.xml><?xml version="1.0" encoding="utf-8"?>
 <ds:datastoreItem xmlns:ds="http://schemas.openxmlformats.org/officeDocument/2006/customXml" ds:itemID="{837305DC-D724-474B-8617-45EF33E8DFE0}">
   <ds:schemaRefs>
     <ds:schemaRef ds:uri="http://purl.org/dc/elements/1.1/"/>
@@ -54718,21 +55081,13 @@
 </ds:datastoreItem>
 </file>
 
-<file path=customXml/itemProps6.xml><?xml version="1.0" encoding="utf-8"?>
-<ds:datastoreItem xmlns:ds="http://schemas.openxmlformats.org/officeDocument/2006/customXml" ds:itemID="{A8DAF147-AE3C-4064-BF4C-3461E03FB80D}">
+<file path=customXml/itemProps10.xml><?xml version="1.0" encoding="utf-8"?>
+<ds:datastoreItem xmlns:ds="http://schemas.openxmlformats.org/officeDocument/2006/customXml" ds:itemID="{71E634BC-9830-4EE8-BC26-78091991C023}">
   <ds:schemaRefs/>
 </ds:datastoreItem>
 </file>
 
-<file path=customXml/itemProps7.xml><?xml version="1.0" encoding="utf-8"?>
-<ds:datastoreItem xmlns:ds="http://schemas.openxmlformats.org/officeDocument/2006/customXml" ds:itemID="{80445582-A0A6-4C69-81ED-D06A1C481090}">
-  <ds:schemaRefs>
-    <ds:schemaRef ds:uri="http://schemas.microsoft.com/sharepoint/v3/contenttype/forms"/>
-  </ds:schemaRefs>
-</ds:datastoreItem>
-</file>
-
-<file path=customXml/itemProps8.xml><?xml version="1.0" encoding="utf-8"?>
+<file path=customXml/itemProps2.xml><?xml version="1.0" encoding="utf-8"?>
 <ds:datastoreItem xmlns:ds="http://schemas.openxmlformats.org/officeDocument/2006/customXml" ds:itemID="{E5228184-F03E-4819-B7A0-375E9883ABC4}">
   <ds:schemaRefs>
     <ds:schemaRef ds:uri="http://schemas.microsoft.com/office/2006/metadata/contentType"/>
@@ -54750,8 +55105,46 @@
 </ds:datastoreItem>
 </file>
 
-<file path=customXml/itemProps9.xml><?xml version="1.0" encoding="utf-8"?>
+<file path=customXml/itemProps3.xml><?xml version="1.0" encoding="utf-8"?>
+<ds:datastoreItem xmlns:ds="http://schemas.openxmlformats.org/officeDocument/2006/customXml" ds:itemID="{1AD1E4E2-8CE5-4454-A706-5B2B617F4C99}">
+  <ds:schemaRefs/>
+</ds:datastoreItem>
+</file>
+
+<file path=customXml/itemProps4.xml><?xml version="1.0" encoding="utf-8"?>
+<ds:datastoreItem xmlns:ds="http://schemas.openxmlformats.org/officeDocument/2006/customXml" ds:itemID="{C76FCBFA-93F8-4888-B22E-083EB5A5072E}">
+  <ds:schemaRefs/>
+</ds:datastoreItem>
+</file>
+
+<file path=customXml/itemProps5.xml><?xml version="1.0" encoding="utf-8"?>
+<ds:datastoreItem xmlns:ds="http://schemas.openxmlformats.org/officeDocument/2006/customXml" ds:itemID="{A8DAF147-AE3C-4064-BF4C-3461E03FB80D}">
+  <ds:schemaRefs/>
+</ds:datastoreItem>
+</file>
+
+<file path=customXml/itemProps6.xml><?xml version="1.0" encoding="utf-8"?>
+<ds:datastoreItem xmlns:ds="http://schemas.openxmlformats.org/officeDocument/2006/customXml" ds:itemID="{0ED8C23E-3FD3-4629-87F5-2C00946894C3}">
+  <ds:schemaRefs/>
+</ds:datastoreItem>
+</file>
+
+<file path=customXml/itemProps7.xml><?xml version="1.0" encoding="utf-8"?>
+<ds:datastoreItem xmlns:ds="http://schemas.openxmlformats.org/officeDocument/2006/customXml" ds:itemID="{B7364230-FBAF-4210-87E9-B46C6E2C5E27}">
+  <ds:schemaRefs/>
+</ds:datastoreItem>
+</file>
+
+<file path=customXml/itemProps8.xml><?xml version="1.0" encoding="utf-8"?>
 <ds:datastoreItem xmlns:ds="http://schemas.openxmlformats.org/officeDocument/2006/customXml" ds:itemID="{7F57E456-09CA-4A93-A80D-3D4436FB6F91}">
   <ds:schemaRefs/>
 </ds:datastoreItem>
+</file>
+
+<file path=customXml/itemProps9.xml><?xml version="1.0" encoding="utf-8"?>
+<ds:datastoreItem xmlns:ds="http://schemas.openxmlformats.org/officeDocument/2006/customXml" ds:itemID="{80445582-A0A6-4C69-81ED-D06A1C481090}">
+  <ds:schemaRefs>
+    <ds:schemaRef ds:uri="http://schemas.microsoft.com/sharepoint/v3/contenttype/forms"/>
+  </ds:schemaRefs>
+</ds:datastoreItem>
 </file>